--- a/OTHER FILES/GR29 ASMPFMHDD SLIDE-DECK.pptx
+++ b/OTHER FILES/GR29 ASMPFMHDD SLIDE-DECK.pptx
@@ -31,19 +31,18 @@
     <p:sldId id="276" r:id="rId27"/>
     <p:sldId id="277" r:id="rId28"/>
     <p:sldId id="278" r:id="rId29"/>
-    <p:sldId id="279" r:id="rId30"/>
   </p:sldIdLst>
   <p:sldSz cy="5143500" cx="9144000"/>
   <p:notesSz cx="6858000" cy="9144000"/>
   <p:embeddedFontLst>
     <p:embeddedFont>
       <p:font typeface="Average"/>
-      <p:regular r:id="rId31"/>
+      <p:regular r:id="rId30"/>
     </p:embeddedFont>
     <p:embeddedFont>
       <p:font typeface="Oswald"/>
-      <p:regular r:id="rId32"/>
-      <p:bold r:id="rId33"/>
+      <p:regular r:id="rId31"/>
+      <p:bold r:id="rId32"/>
     </p:embeddedFont>
   </p:embeddedFontLst>
   <p:defaultTextStyle>
@@ -291,7 +290,7 @@
       </p15:sldGuideLst>
     </p:ext>
     <p:ext uri="GoogleSlidesCustomDataVersion2">
-      <go:slidesCustomData xmlns:go="http://customooxmlschemas.google.com/" r:id="rId34" roundtripDataSignature="AMtx7mioJ7IZ2yVNY9KtIfJMvvQKVIbIIQ=="/>
+      <go:slidesCustomData xmlns:go="http://customooxmlschemas.google.com/" r:id="rId33" roundtripDataSignature="AMtx7mif/ItfQCgwgTwWJXetfTqWwMl4KA=="/>
     </p:ext>
   </p:extLst>
 </p:presentation>
@@ -2047,7 +2046,7 @@
       </p:grpSpPr>
       <p:sp>
         <p:nvSpPr>
-          <p:cNvPr id="203" name="Google Shape;203;g31afdb7f163_0_2:notes"/>
+          <p:cNvPr id="203" name="Google Shape;203;p18:notes"/>
           <p:cNvSpPr/>
           <p:nvPr>
             <p:ph idx="2" type="sldImg"/>
@@ -2092,7 +2091,7 @@
       </p:sp>
       <p:sp>
         <p:nvSpPr>
-          <p:cNvPr id="204" name="Google Shape;204;g31afdb7f163_0_2:notes"/>
+          <p:cNvPr id="204" name="Google Shape;204;p18:notes"/>
           <p:cNvSpPr txBox="1"/>
           <p:nvPr>
             <p:ph idx="1" type="body"/>
@@ -2267,7 +2266,7 @@
   <p:cSld>
     <p:spTree>
       <p:nvGrpSpPr>
-        <p:cNvPr id="211" name="Shape 211"/>
+        <p:cNvPr id="210" name="Shape 210"/>
         <p:cNvGrpSpPr/>
         <p:nvPr/>
       </p:nvGrpSpPr>
@@ -2281,7 +2280,7 @@
       </p:grpSpPr>
       <p:sp>
         <p:nvSpPr>
-          <p:cNvPr id="212" name="Google Shape;212;p18:notes"/>
+          <p:cNvPr id="211" name="Google Shape;211;p19:notes"/>
           <p:cNvSpPr/>
           <p:nvPr>
             <p:ph idx="2" type="sldImg"/>
@@ -2326,7 +2325,7 @@
       </p:sp>
       <p:sp>
         <p:nvSpPr>
-          <p:cNvPr id="213" name="Google Shape;213;p18:notes"/>
+          <p:cNvPr id="212" name="Google Shape;212;p19:notes"/>
           <p:cNvSpPr txBox="1"/>
           <p:nvPr>
             <p:ph idx="1" type="body"/>
@@ -2384,7 +2383,7 @@
   <p:cSld>
     <p:spTree>
       <p:nvGrpSpPr>
-        <p:cNvPr id="219" name="Shape 219"/>
+        <p:cNvPr id="218" name="Shape 218"/>
         <p:cNvGrpSpPr/>
         <p:nvPr/>
       </p:nvGrpSpPr>
@@ -2398,7 +2397,7 @@
       </p:grpSpPr>
       <p:sp>
         <p:nvSpPr>
-          <p:cNvPr id="220" name="Google Shape;220;p19:notes"/>
+          <p:cNvPr id="219" name="Google Shape;219;p20:notes"/>
           <p:cNvSpPr/>
           <p:nvPr>
             <p:ph idx="2" type="sldImg"/>
@@ -2443,7 +2442,7 @@
       </p:sp>
       <p:sp>
         <p:nvSpPr>
-          <p:cNvPr id="221" name="Google Shape;221;p19:notes"/>
+          <p:cNvPr id="220" name="Google Shape;220;p20:notes"/>
           <p:cNvSpPr txBox="1"/>
           <p:nvPr>
             <p:ph idx="1" type="body"/>
@@ -2501,7 +2500,7 @@
   <p:cSld>
     <p:spTree>
       <p:nvGrpSpPr>
-        <p:cNvPr id="227" name="Shape 227"/>
+        <p:cNvPr id="225" name="Shape 225"/>
         <p:cNvGrpSpPr/>
         <p:nvPr/>
       </p:nvGrpSpPr>
@@ -2515,7 +2514,7 @@
       </p:grpSpPr>
       <p:sp>
         <p:nvSpPr>
-          <p:cNvPr id="228" name="Google Shape;228;p20:notes"/>
+          <p:cNvPr id="226" name="Google Shape;226;p21:notes"/>
           <p:cNvSpPr/>
           <p:nvPr>
             <p:ph idx="2" type="sldImg"/>
@@ -2560,7 +2559,7 @@
       </p:sp>
       <p:sp>
         <p:nvSpPr>
-          <p:cNvPr id="229" name="Google Shape;229;p20:notes"/>
+          <p:cNvPr id="227" name="Google Shape;227;p21:notes"/>
           <p:cNvSpPr txBox="1"/>
           <p:nvPr>
             <p:ph idx="1" type="body"/>
@@ -2618,7 +2617,7 @@
   <p:cSld>
     <p:spTree>
       <p:nvGrpSpPr>
-        <p:cNvPr id="234" name="Shape 234"/>
+        <p:cNvPr id="232" name="Shape 232"/>
         <p:cNvGrpSpPr/>
         <p:nvPr/>
       </p:nvGrpSpPr>
@@ -2632,7 +2631,7 @@
       </p:grpSpPr>
       <p:sp>
         <p:nvSpPr>
-          <p:cNvPr id="235" name="Google Shape;235;p21:notes"/>
+          <p:cNvPr id="233" name="Google Shape;233;p22:notes"/>
           <p:cNvSpPr/>
           <p:nvPr>
             <p:ph idx="2" type="sldImg"/>
@@ -2677,124 +2676,7 @@
       </p:sp>
       <p:sp>
         <p:nvSpPr>
-          <p:cNvPr id="236" name="Google Shape;236;p21:notes"/>
-          <p:cNvSpPr txBox="1"/>
-          <p:nvPr>
-            <p:ph idx="1" type="body"/>
-          </p:nvPr>
-        </p:nvSpPr>
-        <p:spPr>
-          <a:xfrm>
-            <a:off x="685800" y="4343400"/>
-            <a:ext cx="5486400" cy="4114800"/>
-          </a:xfrm>
-          <a:prstGeom prst="rect">
-            <a:avLst/>
-          </a:prstGeom>
-          <a:noFill/>
-          <a:ln>
-            <a:noFill/>
-          </a:ln>
-        </p:spPr>
-        <p:txBody>
-          <a:bodyPr anchorCtr="0" anchor="t" bIns="91425" lIns="91425" spcFirstLastPara="1" rIns="91425" wrap="square" tIns="91425">
-            <a:noAutofit/>
-          </a:bodyPr>
-          <a:lstStyle/>
-          <a:p>
-            <a:pPr indent="0" lvl="0" marL="0" rtl="0" algn="l">
-              <a:lnSpc>
-                <a:spcPct val="100000"/>
-              </a:lnSpc>
-              <a:spcBef>
-                <a:spcPts val="0"/>
-              </a:spcBef>
-              <a:spcAft>
-                <a:spcPts val="0"/>
-              </a:spcAft>
-              <a:buSzPts val="1100"/>
-              <a:buNone/>
-            </a:pPr>
-            <a:r>
-              <a:t/>
-            </a:r>
-            <a:endParaRPr/>
-          </a:p>
-        </p:txBody>
-      </p:sp>
-    </p:spTree>
-  </p:cSld>
-  <p:clrMapOvr>
-    <a:masterClrMapping/>
-  </p:clrMapOvr>
-</p:notes>
-</file>
-
-<file path=ppt/notesSlides/notesSlide24.xml><?xml version="1.0" encoding="utf-8"?>
-<p:notes xmlns:a="http://schemas.openxmlformats.org/drawingml/2006/main" xmlns:r="http://schemas.openxmlformats.org/officeDocument/2006/relationships" xmlns:mc="http://schemas.openxmlformats.org/markup-compatibility/2006" xmlns:mv="urn:schemas-microsoft-com:mac:vml" xmlns:p="http://schemas.openxmlformats.org/presentationml/2006/main" xmlns:c="http://schemas.openxmlformats.org/drawingml/2006/chart" xmlns:dgm="http://schemas.openxmlformats.org/drawingml/2006/diagram" xmlns:o="urn:schemas-microsoft-com:office:office" xmlns:v="urn:schemas-microsoft-com:vml" xmlns:pvml="urn:schemas-microsoft-com:office:powerpoint" xmlns:com="http://schemas.openxmlformats.org/drawingml/2006/compatibility" xmlns:p14="http://schemas.microsoft.com/office/powerpoint/2010/main" xmlns:p15="http://schemas.microsoft.com/office/powerpoint/2012/main" xmlns:ahyp="http://schemas.microsoft.com/office/drawing/2018/hyperlinkcolor" showMasterPhAnim="0" showMasterSp="0">
-  <p:cSld>
-    <p:spTree>
-      <p:nvGrpSpPr>
-        <p:cNvPr id="241" name="Shape 241"/>
-        <p:cNvGrpSpPr/>
-        <p:nvPr/>
-      </p:nvGrpSpPr>
-      <p:grpSpPr>
-        <a:xfrm>
-          <a:off x="0" y="0"/>
-          <a:ext cx="0" cy="0"/>
-          <a:chOff x="0" y="0"/>
-          <a:chExt cx="0" cy="0"/>
-        </a:xfrm>
-      </p:grpSpPr>
-      <p:sp>
-        <p:nvSpPr>
-          <p:cNvPr id="242" name="Google Shape;242;p22:notes"/>
-          <p:cNvSpPr/>
-          <p:nvPr>
-            <p:ph idx="2" type="sldImg"/>
-          </p:nvPr>
-        </p:nvSpPr>
-        <p:spPr>
-          <a:xfrm>
-            <a:off x="381300" y="685800"/>
-            <a:ext cx="6096000" cy="3429000"/>
-          </a:xfrm>
-          <a:custGeom>
-            <a:rect b="b" l="l" r="r" t="t"/>
-            <a:pathLst>
-              <a:path extrusionOk="0" h="120000" w="120000">
-                <a:moveTo>
-                  <a:pt x="0" y="0"/>
-                </a:moveTo>
-                <a:lnTo>
-                  <a:pt x="120000" y="0"/>
-                </a:lnTo>
-                <a:lnTo>
-                  <a:pt x="120000" y="120000"/>
-                </a:lnTo>
-                <a:lnTo>
-                  <a:pt x="0" y="120000"/>
-                </a:lnTo>
-                <a:close/>
-              </a:path>
-            </a:pathLst>
-          </a:custGeom>
-          <a:noFill/>
-          <a:ln cap="flat" cmpd="sng" w="9525">
-            <a:solidFill>
-              <a:srgbClr val="000000"/>
-            </a:solidFill>
-            <a:prstDash val="solid"/>
-            <a:round/>
-            <a:headEnd len="sm" w="sm" type="none"/>
-            <a:tailEnd len="sm" w="sm" type="none"/>
-          </a:ln>
-        </p:spPr>
-      </p:sp>
-      <p:sp>
-        <p:nvSpPr>
-          <p:cNvPr id="243" name="Google Shape;243;p22:notes"/>
+          <p:cNvPr id="234" name="Google Shape;234;p22:notes"/>
           <p:cNvSpPr txBox="1"/>
           <p:nvPr>
             <p:ph idx="1" type="body"/>
@@ -11878,7 +11760,7 @@
             <a:tbl>
               <a:tblPr>
                 <a:noFill/>
-                <a:tableStyleId>{363907B8-7B95-4F02-BC18-70E63A674D8F}</a:tableStyleId>
+                <a:tableStyleId>{A689E61D-B8E3-413F-BB10-C5AA18ECD7B2}</a:tableStyleId>
               </a:tblPr>
               <a:tblGrid>
                 <a:gridCol w="3619500"/>
@@ -12364,55 +12246,7 @@
                 <a:cs typeface="Courier New"/>
                 <a:sym typeface="Courier New"/>
               </a:rPr>
-              <a:t>PROJECT-II</a:t>
-            </a:r>
-            <a:r>
-              <a:rPr b="1" lang="en-GB" sz="1800">
-                <a:solidFill>
-                  <a:schemeClr val="accent6"/>
-                </a:solidFill>
-                <a:latin typeface="Courier New"/>
-                <a:ea typeface="Courier New"/>
-                <a:cs typeface="Courier New"/>
-                <a:sym typeface="Courier New"/>
-              </a:rPr>
-              <a:t>I</a:t>
-            </a:r>
-            <a:r>
-              <a:rPr b="1" i="0" lang="en-GB" sz="1800" u="none" cap="none" strike="noStrike">
-                <a:solidFill>
-                  <a:schemeClr val="accent6"/>
-                </a:solidFill>
-                <a:latin typeface="Courier New"/>
-                <a:ea typeface="Courier New"/>
-                <a:cs typeface="Courier New"/>
-                <a:sym typeface="Courier New"/>
-              </a:rPr>
-              <a:t> ( PROJ-CS</a:t>
-            </a:r>
-            <a:r>
-              <a:rPr b="1" lang="en-GB" sz="1800">
-                <a:solidFill>
-                  <a:schemeClr val="accent6"/>
-                </a:solidFill>
-                <a:latin typeface="Courier New"/>
-                <a:ea typeface="Courier New"/>
-                <a:cs typeface="Courier New"/>
-                <a:sym typeface="Courier New"/>
-              </a:rPr>
-              <a:t>8</a:t>
-            </a:r>
-            <a:r>
-              <a:rPr b="1" i="0" lang="en-GB" sz="1800" u="none" cap="none" strike="noStrike">
-                <a:solidFill>
-                  <a:schemeClr val="accent6"/>
-                </a:solidFill>
-                <a:latin typeface="Courier New"/>
-                <a:ea typeface="Courier New"/>
-                <a:cs typeface="Courier New"/>
-                <a:sym typeface="Courier New"/>
-              </a:rPr>
-              <a:t>81 )</a:t>
+              <a:t>PROJECT-II ( PROJ-CS781 )</a:t>
             </a:r>
             <a:endParaRPr b="1" i="0" sz="1800" u="none" cap="none" strike="noStrike">
               <a:solidFill>
@@ -12464,19 +12298,7 @@
                 <a:cs typeface="Courier New"/>
                 <a:sym typeface="Courier New"/>
               </a:rPr>
-              <a:t>SEMESTER </a:t>
-            </a:r>
-            <a:r>
-              <a:rPr b="1" lang="en-GB" sz="1800">
-                <a:solidFill>
-                  <a:schemeClr val="accent6"/>
-                </a:solidFill>
-                <a:latin typeface="Courier New"/>
-                <a:ea typeface="Courier New"/>
-                <a:cs typeface="Courier New"/>
-                <a:sym typeface="Courier New"/>
-              </a:rPr>
-              <a:t>8</a:t>
+              <a:t>SEMESTER 7</a:t>
             </a:r>
             <a:endParaRPr b="1" i="0" sz="1800" u="none" cap="none" strike="noStrike">
               <a:solidFill>
@@ -12665,7 +12487,7 @@
           <a:effectLst>
             <a:outerShdw blurRad="557213" rotWithShape="0" algn="bl" dir="8040000" dist="190500">
               <a:srgbClr val="000000">
-                <a:alpha val="49411"/>
+                <a:alpha val="49803"/>
               </a:srgbClr>
             </a:outerShdw>
           </a:effectLst>
@@ -12846,7 +12668,7 @@
           <a:effectLst>
             <a:outerShdw blurRad="485775" rotWithShape="0" algn="bl" dir="7800000" dist="209550">
               <a:srgbClr val="000000">
-                <a:alpha val="49411"/>
+                <a:alpha val="49803"/>
               </a:srgbClr>
             </a:outerShdw>
           </a:effectLst>
@@ -13455,7 +13277,7 @@
           <a:effectLst>
             <a:outerShdw blurRad="485775" rotWithShape="0" algn="bl" dir="7200000" dist="114300">
               <a:srgbClr val="000000">
-                <a:alpha val="49411"/>
+                <a:alpha val="49803"/>
               </a:srgbClr>
             </a:outerShdw>
           </a:effectLst>
@@ -13920,7 +13742,7 @@
           <a:effectLst>
             <a:outerShdw blurRad="485775" rotWithShape="0" algn="bl" dir="7800000" dist="114300">
               <a:srgbClr val="000000">
-                <a:alpha val="49411"/>
+                <a:alpha val="49803"/>
               </a:srgbClr>
             </a:outerShdw>
           </a:effectLst>
@@ -14252,7 +14074,7 @@
           <a:effectLst>
             <a:outerShdw blurRad="485775" rotWithShape="0" algn="bl" dir="7800000" dist="209550">
               <a:srgbClr val="000000">
-                <a:alpha val="49411"/>
+                <a:alpha val="49803"/>
               </a:srgbClr>
             </a:outerShdw>
           </a:effectLst>
@@ -14286,7 +14108,7 @@
           <a:effectLst>
             <a:outerShdw blurRad="485775" rotWithShape="0" algn="bl" dir="3600000" dist="114300">
               <a:srgbClr val="000000">
-                <a:alpha val="49411"/>
+                <a:alpha val="49803"/>
               </a:srgbClr>
             </a:outerShdw>
           </a:effectLst>
@@ -15480,7 +15302,7 @@
         </p:nvSpPr>
         <p:spPr>
           <a:xfrm>
-            <a:off x="1588938" y="3862125"/>
+            <a:off x="1588925" y="4319325"/>
             <a:ext cx="1586400" cy="293700"/>
           </a:xfrm>
           <a:prstGeom prst="rect">
@@ -15612,7 +15434,7 @@
         </p:nvSpPr>
         <p:spPr>
           <a:xfrm>
-            <a:off x="5568425" y="3862125"/>
+            <a:off x="5568425" y="4319325"/>
             <a:ext cx="2441100" cy="293700"/>
           </a:xfrm>
           <a:prstGeom prst="rect">
@@ -15678,8 +15500,8 @@
         </p:nvSpPr>
         <p:spPr>
           <a:xfrm>
-            <a:off x="0" y="4311175"/>
-            <a:ext cx="9144000" cy="779400"/>
+            <a:off x="0" y="4615975"/>
+            <a:ext cx="9144000" cy="293700"/>
           </a:xfrm>
           <a:prstGeom prst="rect">
             <a:avLst/>
@@ -15722,7 +15544,7 @@
                 <a:cs typeface="Courier New"/>
                 <a:sym typeface="Courier New"/>
               </a:rPr>
-              <a:t>ENSEMBLE MODEL (BASE MODELS : LOGISTIC REGRESSION</a:t>
+              <a:t>ENSEMBLE MODEL (LOGISTIC REGRESSION + XGBOOST) HAD THE HIGHEST ACCURACY OF 9</a:t>
             </a:r>
             <a:r>
               <a:rPr lang="en-GB">
@@ -15734,7 +15556,7 @@
                 <a:cs typeface="Courier New"/>
                 <a:sym typeface="Courier New"/>
               </a:rPr>
-              <a:t>,</a:t>
+              <a:t>6</a:t>
             </a:r>
             <a:r>
               <a:rPr b="0" i="0" lang="en-GB" sz="1400" u="none" cap="none" strike="noStrike">
@@ -15746,7 +15568,7 @@
                 <a:cs typeface="Courier New"/>
                 <a:sym typeface="Courier New"/>
               </a:rPr>
-              <a:t> NAIVE BAYES</a:t>
+              <a:t>.</a:t>
             </a:r>
             <a:r>
               <a:rPr lang="en-GB">
@@ -15758,7 +15580,7 @@
                 <a:cs typeface="Courier New"/>
                 <a:sym typeface="Courier New"/>
               </a:rPr>
-              <a:t>,</a:t>
+              <a:t>09</a:t>
             </a:r>
             <a:r>
               <a:rPr b="0" i="0" lang="en-GB" sz="1400" u="none" cap="none" strike="noStrike">
@@ -15770,103 +15592,7 @@
                 <a:cs typeface="Courier New"/>
                 <a:sym typeface="Courier New"/>
               </a:rPr>
-              <a:t> SVM</a:t>
-            </a:r>
-            <a:r>
-              <a:rPr lang="en-GB">
-                <a:solidFill>
-                  <a:schemeClr val="dk1"/>
-                </a:solidFill>
-                <a:latin typeface="Courier New"/>
-                <a:ea typeface="Courier New"/>
-                <a:cs typeface="Courier New"/>
-                <a:sym typeface="Courier New"/>
-              </a:rPr>
-              <a:t>,</a:t>
-            </a:r>
-            <a:r>
-              <a:rPr b="0" i="0" lang="en-GB" sz="1400" u="none" cap="none" strike="noStrike">
-                <a:solidFill>
-                  <a:schemeClr val="dk1"/>
-                </a:solidFill>
-                <a:latin typeface="Courier New"/>
-                <a:ea typeface="Courier New"/>
-                <a:cs typeface="Courier New"/>
-                <a:sym typeface="Courier New"/>
-              </a:rPr>
-              <a:t> XGBOOST</a:t>
-            </a:r>
-            <a:r>
-              <a:rPr lang="en-GB">
-                <a:solidFill>
-                  <a:schemeClr val="dk1"/>
-                </a:solidFill>
-                <a:latin typeface="Courier New"/>
-                <a:ea typeface="Courier New"/>
-                <a:cs typeface="Courier New"/>
-                <a:sym typeface="Courier New"/>
-              </a:rPr>
-              <a:t>,</a:t>
-            </a:r>
-            <a:r>
-              <a:rPr b="0" i="0" lang="en-GB" sz="1400" u="none" cap="none" strike="noStrike">
-                <a:solidFill>
-                  <a:schemeClr val="dk1"/>
-                </a:solidFill>
-                <a:latin typeface="Courier New"/>
-                <a:ea typeface="Courier New"/>
-                <a:cs typeface="Courier New"/>
-                <a:sym typeface="Courier New"/>
-              </a:rPr>
-              <a:t> LSTM, TRANSFORMER &amp; META </a:t>
-            </a:r>
-            <a:r>
-              <a:rPr lang="en-GB">
-                <a:solidFill>
-                  <a:schemeClr val="dk1"/>
-                </a:solidFill>
-                <a:latin typeface="Courier New"/>
-                <a:ea typeface="Courier New"/>
-                <a:cs typeface="Courier New"/>
-                <a:sym typeface="Courier New"/>
-              </a:rPr>
-              <a:t>LEARNER : RANDOM FOREST</a:t>
-            </a:r>
-            <a:r>
-              <a:rPr b="0" i="0" lang="en-GB" sz="1400" u="none" cap="none" strike="noStrike">
-                <a:solidFill>
-                  <a:schemeClr val="dk1"/>
-                </a:solidFill>
-                <a:latin typeface="Courier New"/>
-                <a:ea typeface="Courier New"/>
-                <a:cs typeface="Courier New"/>
-                <a:sym typeface="Courier New"/>
-              </a:rPr>
-              <a:t>) </a:t>
-            </a:r>
-            <a:r>
-              <a:rPr lang="en-GB">
-                <a:solidFill>
-                  <a:schemeClr val="dk1"/>
-                </a:solidFill>
-                <a:latin typeface="Courier New"/>
-                <a:ea typeface="Courier New"/>
-                <a:cs typeface="Courier New"/>
-                <a:sym typeface="Courier New"/>
-              </a:rPr>
-              <a:t>WITH ACCURACY OF 98.03% WAS USED IN WEB </a:t>
-            </a:r>
-            <a:r>
-              <a:rPr lang="en-GB">
-                <a:solidFill>
-                  <a:schemeClr val="dk1"/>
-                </a:solidFill>
-                <a:latin typeface="Courier New"/>
-                <a:ea typeface="Courier New"/>
-                <a:cs typeface="Courier New"/>
-                <a:sym typeface="Courier New"/>
-              </a:rPr>
-              <a:t>APPLICATION</a:t>
+              <a:t>%</a:t>
             </a:r>
             <a:endParaRPr b="0" i="0" sz="1400" u="none" cap="none" strike="noStrike">
               <a:solidFill>
@@ -15896,8 +15622,8 @@
         </p:blipFill>
         <p:spPr>
           <a:xfrm>
-            <a:off x="576788" y="870250"/>
-            <a:ext cx="3610736" cy="2991875"/>
+            <a:off x="392838" y="870250"/>
+            <a:ext cx="3978584" cy="3296675"/>
           </a:xfrm>
           <a:prstGeom prst="rect">
             <a:avLst/>
@@ -15924,8 +15650,8 @@
         </p:blipFill>
         <p:spPr>
           <a:xfrm>
-            <a:off x="5101699" y="870250"/>
-            <a:ext cx="3374557" cy="2991875"/>
+            <a:off x="4806146" y="870250"/>
+            <a:ext cx="3965652" cy="3296675"/>
           </a:xfrm>
           <a:prstGeom prst="rect">
             <a:avLst/>
@@ -15963,7 +15689,7 @@
       </p:grpSpPr>
       <p:sp>
         <p:nvSpPr>
-          <p:cNvPr id="206" name="Google Shape;206;g31afdb7f163_0_2"/>
+          <p:cNvPr id="206" name="Google Shape;206;p18"/>
           <p:cNvSpPr txBox="1"/>
           <p:nvPr>
             <p:ph type="title"/>
@@ -15971,8 +15697,313 @@
         </p:nvSpPr>
         <p:spPr>
           <a:xfrm>
-            <a:off x="311700" y="145150"/>
+            <a:off x="311700" y="198425"/>
             <a:ext cx="8520600" cy="572700"/>
+          </a:xfrm>
+          <a:prstGeom prst="rect">
+            <a:avLst/>
+          </a:prstGeom>
+          <a:noFill/>
+          <a:ln>
+            <a:noFill/>
+          </a:ln>
+        </p:spPr>
+        <p:txBody>
+          <a:bodyPr anchorCtr="0" anchor="t" bIns="91425" lIns="91425" spcFirstLastPara="1" rIns="91425" wrap="square" tIns="91425">
+            <a:normAutofit fontScale="90000"/>
+          </a:bodyPr>
+          <a:lstStyle/>
+          <a:p>
+            <a:pPr indent="0" lvl="0" marL="0" rtl="0" algn="l">
+              <a:lnSpc>
+                <a:spcPct val="100000"/>
+              </a:lnSpc>
+              <a:spcBef>
+                <a:spcPts val="0"/>
+              </a:spcBef>
+              <a:spcAft>
+                <a:spcPts val="0"/>
+              </a:spcAft>
+              <a:buClr>
+                <a:srgbClr val="000000"/>
+              </a:buClr>
+              <a:buSzPct val="34137"/>
+              <a:buFont typeface="Arial"/>
+              <a:buNone/>
+            </a:pPr>
+            <a:r>
+              <a:rPr b="1" lang="en-GB" sz="2900">
+                <a:solidFill>
+                  <a:schemeClr val="accent5"/>
+                </a:solidFill>
+              </a:rPr>
+              <a:t>PROTOTYPE</a:t>
+            </a:r>
+            <a:endParaRPr b="1" sz="2900">
+              <a:solidFill>
+                <a:schemeClr val="accent5"/>
+              </a:solidFill>
+            </a:endParaRPr>
+          </a:p>
+          <a:p>
+            <a:pPr indent="0" lvl="0" marL="0" rtl="0" algn="l">
+              <a:lnSpc>
+                <a:spcPct val="100000"/>
+              </a:lnSpc>
+              <a:spcBef>
+                <a:spcPts val="0"/>
+              </a:spcBef>
+              <a:spcAft>
+                <a:spcPts val="0"/>
+              </a:spcAft>
+              <a:buSzPct val="111111"/>
+              <a:buNone/>
+            </a:pPr>
+            <a:r>
+              <a:t/>
+            </a:r>
+            <a:endParaRPr/>
+          </a:p>
+        </p:txBody>
+      </p:sp>
+      <p:sp>
+        <p:nvSpPr>
+          <p:cNvPr id="207" name="Google Shape;207;p18"/>
+          <p:cNvSpPr txBox="1"/>
+          <p:nvPr>
+            <p:ph idx="1" type="body"/>
+          </p:nvPr>
+        </p:nvSpPr>
+        <p:spPr>
+          <a:xfrm>
+            <a:off x="235500" y="908925"/>
+            <a:ext cx="4260300" cy="3992700"/>
+          </a:xfrm>
+          <a:prstGeom prst="rect">
+            <a:avLst/>
+          </a:prstGeom>
+          <a:noFill/>
+          <a:ln>
+            <a:noFill/>
+          </a:ln>
+        </p:spPr>
+        <p:txBody>
+          <a:bodyPr anchorCtr="0" anchor="t" bIns="91425" lIns="91425" spcFirstLastPara="1" rIns="91425" wrap="square" tIns="91425">
+            <a:normAutofit lnSpcReduction="20000"/>
+          </a:bodyPr>
+          <a:lstStyle/>
+          <a:p>
+            <a:pPr indent="-323850" lvl="0" marL="457200" rtl="0" algn="l">
+              <a:lnSpc>
+                <a:spcPct val="115000"/>
+              </a:lnSpc>
+              <a:spcBef>
+                <a:spcPts val="0"/>
+              </a:spcBef>
+              <a:spcAft>
+                <a:spcPts val="0"/>
+              </a:spcAft>
+              <a:buClr>
+                <a:schemeClr val="accent5"/>
+              </a:buClr>
+              <a:buSzPts val="1500"/>
+              <a:buFont typeface="Courier New"/>
+              <a:buChar char="➔"/>
+            </a:pPr>
+            <a:r>
+              <a:rPr lang="en-GB" sz="1500">
+                <a:solidFill>
+                  <a:schemeClr val="dk1"/>
+                </a:solidFill>
+                <a:latin typeface="Courier New"/>
+                <a:ea typeface="Courier New"/>
+                <a:cs typeface="Courier New"/>
+                <a:sym typeface="Courier New"/>
+              </a:rPr>
+              <a:t>A functional prototype was developed to classify mental health concerns from social media posts.</a:t>
+            </a:r>
+            <a:endParaRPr sz="1500">
+              <a:solidFill>
+                <a:schemeClr val="dk1"/>
+              </a:solidFill>
+              <a:latin typeface="Courier New"/>
+              <a:ea typeface="Courier New"/>
+              <a:cs typeface="Courier New"/>
+              <a:sym typeface="Courier New"/>
+            </a:endParaRPr>
+          </a:p>
+          <a:p>
+            <a:pPr indent="-323850" lvl="0" marL="457200" rtl="0" algn="l">
+              <a:lnSpc>
+                <a:spcPct val="115000"/>
+              </a:lnSpc>
+              <a:spcBef>
+                <a:spcPts val="0"/>
+              </a:spcBef>
+              <a:spcAft>
+                <a:spcPts val="0"/>
+              </a:spcAft>
+              <a:buClr>
+                <a:schemeClr val="accent5"/>
+              </a:buClr>
+              <a:buSzPts val="1500"/>
+              <a:buFont typeface="Courier New"/>
+              <a:buChar char="➔"/>
+            </a:pPr>
+            <a:r>
+              <a:rPr lang="en-GB" sz="1500">
+                <a:solidFill>
+                  <a:schemeClr val="dk1"/>
+                </a:solidFill>
+                <a:latin typeface="Courier New"/>
+                <a:ea typeface="Courier New"/>
+                <a:cs typeface="Courier New"/>
+                <a:sym typeface="Courier New"/>
+              </a:rPr>
+              <a:t>The system allows users to input text, upload images, or submit video for classification.</a:t>
+            </a:r>
+            <a:endParaRPr sz="1500">
+              <a:solidFill>
+                <a:schemeClr val="dk1"/>
+              </a:solidFill>
+              <a:latin typeface="Courier New"/>
+              <a:ea typeface="Courier New"/>
+              <a:cs typeface="Courier New"/>
+              <a:sym typeface="Courier New"/>
+            </a:endParaRPr>
+          </a:p>
+          <a:p>
+            <a:pPr indent="-323850" lvl="0" marL="457200" rtl="0" algn="l">
+              <a:lnSpc>
+                <a:spcPct val="115000"/>
+              </a:lnSpc>
+              <a:spcBef>
+                <a:spcPts val="0"/>
+              </a:spcBef>
+              <a:spcAft>
+                <a:spcPts val="0"/>
+              </a:spcAft>
+              <a:buClr>
+                <a:schemeClr val="accent5"/>
+              </a:buClr>
+              <a:buSzPts val="1500"/>
+              <a:buFont typeface="Courier New"/>
+              <a:buChar char="➔"/>
+            </a:pPr>
+            <a:r>
+              <a:rPr lang="en-GB" sz="1500">
+                <a:solidFill>
+                  <a:schemeClr val="dk1"/>
+                </a:solidFill>
+                <a:latin typeface="Courier New"/>
+                <a:ea typeface="Courier New"/>
+                <a:cs typeface="Courier New"/>
+                <a:sym typeface="Courier New"/>
+              </a:rPr>
+              <a:t>Key functionalities include text preprocessing, feature extraction, and prediction using trained machine learning models.</a:t>
+            </a:r>
+            <a:endParaRPr sz="1500">
+              <a:solidFill>
+                <a:schemeClr val="dk1"/>
+              </a:solidFill>
+              <a:latin typeface="Courier New"/>
+              <a:ea typeface="Courier New"/>
+              <a:cs typeface="Courier New"/>
+              <a:sym typeface="Courier New"/>
+            </a:endParaRPr>
+          </a:p>
+          <a:p>
+            <a:pPr indent="-323850" lvl="0" marL="457200" rtl="0" algn="l">
+              <a:lnSpc>
+                <a:spcPct val="115000"/>
+              </a:lnSpc>
+              <a:spcBef>
+                <a:spcPts val="0"/>
+              </a:spcBef>
+              <a:spcAft>
+                <a:spcPts val="0"/>
+              </a:spcAft>
+              <a:buClr>
+                <a:schemeClr val="accent5"/>
+              </a:buClr>
+              <a:buSzPts val="1500"/>
+              <a:buFont typeface="Courier New"/>
+              <a:buChar char="➔"/>
+            </a:pPr>
+            <a:r>
+              <a:rPr lang="en-GB" sz="1500">
+                <a:solidFill>
+                  <a:schemeClr val="dk1"/>
+                </a:solidFill>
+                <a:latin typeface="Courier New"/>
+                <a:ea typeface="Courier New"/>
+                <a:cs typeface="Courier New"/>
+                <a:sym typeface="Courier New"/>
+              </a:rPr>
+              <a:t>Real-time results display the most probable mental health concern with confidence scores.</a:t>
+            </a:r>
+            <a:endParaRPr sz="1500">
+              <a:solidFill>
+                <a:schemeClr val="dk1"/>
+              </a:solidFill>
+              <a:latin typeface="Courier New"/>
+              <a:ea typeface="Courier New"/>
+              <a:cs typeface="Courier New"/>
+              <a:sym typeface="Courier New"/>
+            </a:endParaRPr>
+          </a:p>
+          <a:p>
+            <a:pPr indent="-323850" lvl="0" marL="457200" rtl="0" algn="l">
+              <a:lnSpc>
+                <a:spcPct val="115000"/>
+              </a:lnSpc>
+              <a:spcBef>
+                <a:spcPts val="0"/>
+              </a:spcBef>
+              <a:spcAft>
+                <a:spcPts val="0"/>
+              </a:spcAft>
+              <a:buClr>
+                <a:schemeClr val="accent5"/>
+              </a:buClr>
+              <a:buSzPts val="1500"/>
+              <a:buFont typeface="Courier New"/>
+              <a:buChar char="➔"/>
+            </a:pPr>
+            <a:r>
+              <a:rPr lang="en-GB" sz="1500">
+                <a:solidFill>
+                  <a:schemeClr val="dk1"/>
+                </a:solidFill>
+                <a:latin typeface="Courier New"/>
+                <a:ea typeface="Courier New"/>
+                <a:cs typeface="Courier New"/>
+                <a:sym typeface="Courier New"/>
+              </a:rPr>
+              <a:t>Allow user to retrain model.</a:t>
+            </a:r>
+            <a:endParaRPr sz="1500">
+              <a:solidFill>
+                <a:schemeClr val="dk1"/>
+              </a:solidFill>
+              <a:latin typeface="Courier New"/>
+              <a:ea typeface="Courier New"/>
+              <a:cs typeface="Courier New"/>
+              <a:sym typeface="Courier New"/>
+            </a:endParaRPr>
+          </a:p>
+        </p:txBody>
+      </p:sp>
+      <p:sp>
+        <p:nvSpPr>
+          <p:cNvPr id="208" name="Google Shape;208;p18"/>
+          <p:cNvSpPr txBox="1"/>
+          <p:nvPr/>
+        </p:nvSpPr>
+        <p:spPr>
+          <a:xfrm>
+            <a:off x="4229875" y="692075"/>
+            <a:ext cx="4697100" cy="3992700"/>
           </a:xfrm>
           <a:prstGeom prst="rect">
             <a:avLst/>
@@ -15988,38 +16019,297 @@
           </a:bodyPr>
           <a:lstStyle/>
           <a:p>
-            <a:pPr indent="0" lvl="0" marL="0" rtl="0" algn="l">
-              <a:lnSpc>
-                <a:spcPct val="100000"/>
-              </a:lnSpc>
-              <a:spcBef>
-                <a:spcPts val="0"/>
-              </a:spcBef>
-              <a:spcAft>
-                <a:spcPts val="0"/>
-              </a:spcAft>
-              <a:buSzPts val="990"/>
-              <a:buNone/>
+            <a:pPr indent="-323850" lvl="0" marL="457200" marR="0" rtl="0" algn="l">
+              <a:lnSpc>
+                <a:spcPct val="100000"/>
+              </a:lnSpc>
+              <a:spcBef>
+                <a:spcPts val="0"/>
+              </a:spcBef>
+              <a:spcAft>
+                <a:spcPts val="0"/>
+              </a:spcAft>
+              <a:buClr>
+                <a:schemeClr val="accent5"/>
+              </a:buClr>
+              <a:buSzPts val="1500"/>
+              <a:buFont typeface="Courier New"/>
+              <a:buChar char="➔"/>
             </a:pPr>
             <a:r>
-              <a:rPr b="1" lang="en-GB" sz="2900">
+              <a:rPr b="1" i="0" lang="en-GB" sz="1500" u="none" cap="none" strike="noStrike">
                 <a:solidFill>
                   <a:schemeClr val="accent5"/>
                 </a:solidFill>
-              </a:rPr>
-              <a:t>RESULTS AND ANALYSIS (CONTINUED)</a:t>
-            </a:r>
-            <a:endParaRPr b="1" sz="2900">
+                <a:latin typeface="Courier New"/>
+                <a:ea typeface="Courier New"/>
+                <a:cs typeface="Courier New"/>
+                <a:sym typeface="Courier New"/>
+              </a:rPr>
+              <a:t>Text Classification</a:t>
+            </a:r>
+            <a:r>
+              <a:rPr b="1" i="0" lang="en-GB" sz="1500" u="none" cap="none" strike="noStrike">
+                <a:solidFill>
+                  <a:schemeClr val="dk1"/>
+                </a:solidFill>
+                <a:latin typeface="Courier New"/>
+                <a:ea typeface="Courier New"/>
+                <a:cs typeface="Courier New"/>
+                <a:sym typeface="Courier New"/>
+              </a:rPr>
+              <a:t> : </a:t>
+            </a:r>
+            <a:r>
+              <a:rPr b="0" i="0" lang="en-GB" sz="1500" u="none" cap="none" strike="noStrike">
+                <a:solidFill>
+                  <a:schemeClr val="dk1"/>
+                </a:solidFill>
+                <a:latin typeface="Courier New"/>
+                <a:ea typeface="Courier New"/>
+                <a:cs typeface="Courier New"/>
+                <a:sym typeface="Courier New"/>
+              </a:rPr>
+              <a:t>Users can directly input text for immediate analysis and classification.</a:t>
+            </a:r>
+            <a:endParaRPr b="0" i="0" sz="1500" u="none" cap="none" strike="noStrike">
               <a:solidFill>
+                <a:schemeClr val="dk1"/>
+              </a:solidFill>
+              <a:latin typeface="Courier New"/>
+              <a:ea typeface="Courier New"/>
+              <a:cs typeface="Courier New"/>
+              <a:sym typeface="Courier New"/>
+            </a:endParaRPr>
+          </a:p>
+          <a:p>
+            <a:pPr indent="-323850" lvl="0" marL="457200" marR="0" rtl="0" algn="l">
+              <a:lnSpc>
+                <a:spcPct val="100000"/>
+              </a:lnSpc>
+              <a:spcBef>
+                <a:spcPts val="0"/>
+              </a:spcBef>
+              <a:spcAft>
+                <a:spcPts val="0"/>
+              </a:spcAft>
+              <a:buClr>
                 <a:schemeClr val="accent5"/>
+              </a:buClr>
+              <a:buSzPts val="1500"/>
+              <a:buFont typeface="Courier New"/>
+              <a:buChar char="➔"/>
+            </a:pPr>
+            <a:r>
+              <a:rPr b="1" i="0" lang="en-GB" sz="1500" u="none" cap="none" strike="noStrike">
+                <a:solidFill>
+                  <a:schemeClr val="accent5"/>
+                </a:solidFill>
+                <a:latin typeface="Courier New"/>
+                <a:ea typeface="Courier New"/>
+                <a:cs typeface="Courier New"/>
+                <a:sym typeface="Courier New"/>
+              </a:rPr>
+              <a:t>Image-based Classification</a:t>
+            </a:r>
+            <a:r>
+              <a:rPr b="1" i="0" lang="en-GB" sz="1500" u="none" cap="none" strike="noStrike">
+                <a:solidFill>
+                  <a:schemeClr val="dk1"/>
+                </a:solidFill>
+                <a:latin typeface="Courier New"/>
+                <a:ea typeface="Courier New"/>
+                <a:cs typeface="Courier New"/>
+                <a:sym typeface="Courier New"/>
+              </a:rPr>
+              <a:t> : </a:t>
+            </a:r>
+            <a:r>
+              <a:rPr b="0" i="0" lang="en-GB" sz="1500" u="none" cap="none" strike="noStrike">
+                <a:solidFill>
+                  <a:schemeClr val="dk1"/>
+                </a:solidFill>
+                <a:latin typeface="Courier New"/>
+                <a:ea typeface="Courier New"/>
+                <a:cs typeface="Courier New"/>
+                <a:sym typeface="Courier New"/>
+              </a:rPr>
+              <a:t>Extracts text from uploaded images using OCR (pytesseract), get captions and facial emotions to classify the content.</a:t>
+            </a:r>
+            <a:endParaRPr b="0" i="0" sz="1500" u="none" cap="none" strike="noStrike">
+              <a:solidFill>
+                <a:schemeClr val="dk1"/>
               </a:solidFill>
+              <a:latin typeface="Courier New"/>
+              <a:ea typeface="Courier New"/>
+              <a:cs typeface="Courier New"/>
+              <a:sym typeface="Courier New"/>
+            </a:endParaRPr>
+          </a:p>
+          <a:p>
+            <a:pPr indent="-323850" lvl="0" marL="457200" marR="0" rtl="0" algn="l">
+              <a:lnSpc>
+                <a:spcPct val="100000"/>
+              </a:lnSpc>
+              <a:spcBef>
+                <a:spcPts val="0"/>
+              </a:spcBef>
+              <a:spcAft>
+                <a:spcPts val="0"/>
+              </a:spcAft>
+              <a:buClr>
+                <a:schemeClr val="accent5"/>
+              </a:buClr>
+              <a:buSzPts val="1500"/>
+              <a:buFont typeface="Courier New"/>
+              <a:buChar char="➔"/>
+            </a:pPr>
+            <a:r>
+              <a:rPr b="1" i="0" lang="en-GB" sz="1500" u="none" cap="none" strike="noStrike">
+                <a:solidFill>
+                  <a:schemeClr val="accent5"/>
+                </a:solidFill>
+                <a:latin typeface="Courier New"/>
+                <a:ea typeface="Courier New"/>
+                <a:cs typeface="Courier New"/>
+                <a:sym typeface="Courier New"/>
+              </a:rPr>
+              <a:t>Video-based Classification</a:t>
+            </a:r>
+            <a:r>
+              <a:rPr b="1" i="0" lang="en-GB" sz="1500" u="none" cap="none" strike="noStrike">
+                <a:solidFill>
+                  <a:schemeClr val="dk1"/>
+                </a:solidFill>
+                <a:latin typeface="Courier New"/>
+                <a:ea typeface="Courier New"/>
+                <a:cs typeface="Courier New"/>
+                <a:sym typeface="Courier New"/>
+              </a:rPr>
+              <a:t> : </a:t>
+            </a:r>
+            <a:r>
+              <a:rPr b="0" i="0" lang="en-GB" sz="1500" u="none" cap="none" strike="noStrike">
+                <a:solidFill>
+                  <a:schemeClr val="dk1"/>
+                </a:solidFill>
+                <a:latin typeface="Courier New"/>
+                <a:ea typeface="Courier New"/>
+                <a:cs typeface="Courier New"/>
+                <a:sym typeface="Courier New"/>
+              </a:rPr>
+              <a:t>Processes uploaded video files, extract text from frames, transcribes speech to text, get captions and facial emotions to classify the content.</a:t>
+            </a:r>
+            <a:endParaRPr b="0" i="0" sz="1500" u="none" cap="none" strike="noStrike">
+              <a:solidFill>
+                <a:schemeClr val="dk1"/>
+              </a:solidFill>
+              <a:latin typeface="Courier New"/>
+              <a:ea typeface="Courier New"/>
+              <a:cs typeface="Courier New"/>
+              <a:sym typeface="Courier New"/>
+            </a:endParaRPr>
+          </a:p>
+          <a:p>
+            <a:pPr indent="-323850" lvl="0" marL="457200" marR="0" rtl="0" algn="l">
+              <a:lnSpc>
+                <a:spcPct val="100000"/>
+              </a:lnSpc>
+              <a:spcBef>
+                <a:spcPts val="0"/>
+              </a:spcBef>
+              <a:spcAft>
+                <a:spcPts val="0"/>
+              </a:spcAft>
+              <a:buClr>
+                <a:schemeClr val="accent5"/>
+              </a:buClr>
+              <a:buSzPts val="1500"/>
+              <a:buFont typeface="Courier New"/>
+              <a:buChar char="➔"/>
+            </a:pPr>
+            <a:r>
+              <a:rPr b="1" i="0" lang="en-GB" sz="1500" u="none" cap="none" strike="noStrike">
+                <a:solidFill>
+                  <a:schemeClr val="accent5"/>
+                </a:solidFill>
+                <a:latin typeface="Courier New"/>
+                <a:ea typeface="Courier New"/>
+                <a:cs typeface="Courier New"/>
+                <a:sym typeface="Courier New"/>
+              </a:rPr>
+              <a:t>Userprofile Analysis</a:t>
+            </a:r>
+            <a:r>
+              <a:rPr b="1" i="0" lang="en-GB" sz="1500" u="none" cap="none" strike="noStrike">
+                <a:solidFill>
+                  <a:schemeClr val="dk1"/>
+                </a:solidFill>
+                <a:latin typeface="Courier New"/>
+                <a:ea typeface="Courier New"/>
+                <a:cs typeface="Courier New"/>
+                <a:sym typeface="Courier New"/>
+              </a:rPr>
+              <a:t> : </a:t>
+            </a:r>
+            <a:r>
+              <a:rPr b="0" i="0" lang="en-GB" sz="1500" u="none" cap="none" strike="noStrike">
+                <a:solidFill>
+                  <a:schemeClr val="dk1"/>
+                </a:solidFill>
+                <a:latin typeface="Courier New"/>
+                <a:ea typeface="Courier New"/>
+                <a:cs typeface="Courier New"/>
+                <a:sym typeface="Courier New"/>
+              </a:rPr>
+              <a:t>Enables analysing user profiles based on posts in Reddit and Twitter</a:t>
+            </a:r>
+            <a:endParaRPr b="0" i="0" sz="1500" u="none" cap="none" strike="noStrike">
+              <a:solidFill>
+                <a:schemeClr val="dk1"/>
+              </a:solidFill>
+              <a:latin typeface="Courier New"/>
+              <a:ea typeface="Courier New"/>
+              <a:cs typeface="Courier New"/>
+              <a:sym typeface="Courier New"/>
+            </a:endParaRPr>
+          </a:p>
+          <a:p>
+            <a:pPr indent="0" lvl="0" marL="0" marR="0" rtl="0" algn="l">
+              <a:lnSpc>
+                <a:spcPct val="100000"/>
+              </a:lnSpc>
+              <a:spcBef>
+                <a:spcPts val="0"/>
+              </a:spcBef>
+              <a:spcAft>
+                <a:spcPts val="0"/>
+              </a:spcAft>
+              <a:buClr>
+                <a:srgbClr val="000000"/>
+              </a:buClr>
+              <a:buSzPts val="1500"/>
+              <a:buFont typeface="Arial"/>
+              <a:buNone/>
+            </a:pPr>
+            <a:r>
+              <a:t/>
+            </a:r>
+            <a:endParaRPr b="0" i="0" sz="1500" u="none" cap="none" strike="noStrike">
+              <a:solidFill>
+                <a:schemeClr val="dk1"/>
+              </a:solidFill>
+              <a:latin typeface="Courier New"/>
+              <a:ea typeface="Courier New"/>
+              <a:cs typeface="Courier New"/>
+              <a:sym typeface="Courier New"/>
             </a:endParaRPr>
           </a:p>
         </p:txBody>
       </p:sp>
       <p:sp>
         <p:nvSpPr>
-          <p:cNvPr id="207" name="Google Shape;207;g31afdb7f163_0_2"/>
+          <p:cNvPr id="209" name="Google Shape;209;p18"/>
           <p:cNvSpPr txBox="1"/>
           <p:nvPr/>
         </p:nvSpPr>
@@ -16083,141 +16373,6 @@
           </a:p>
         </p:txBody>
       </p:sp>
-      <p:sp>
-        <p:nvSpPr>
-          <p:cNvPr id="208" name="Google Shape;208;g31afdb7f163_0_2"/>
-          <p:cNvSpPr txBox="1"/>
-          <p:nvPr/>
-        </p:nvSpPr>
-        <p:spPr>
-          <a:xfrm>
-            <a:off x="7136450" y="752550"/>
-            <a:ext cx="2034300" cy="400200"/>
-          </a:xfrm>
-          <a:prstGeom prst="rect">
-            <a:avLst/>
-          </a:prstGeom>
-          <a:noFill/>
-          <a:ln>
-            <a:noFill/>
-          </a:ln>
-        </p:spPr>
-        <p:txBody>
-          <a:bodyPr anchorCtr="0" anchor="t" bIns="91425" lIns="91425" spcFirstLastPara="1" rIns="91425" wrap="square" tIns="91425">
-            <a:spAutoFit/>
-          </a:bodyPr>
-          <a:lstStyle/>
-          <a:p>
-            <a:pPr indent="0" lvl="0" marL="0" rtl="0" algn="l">
-              <a:spcBef>
-                <a:spcPts val="0"/>
-              </a:spcBef>
-              <a:spcAft>
-                <a:spcPts val="0"/>
-              </a:spcAft>
-              <a:buNone/>
-            </a:pPr>
-            <a:r>
-              <a:t/>
-            </a:r>
-            <a:endParaRPr>
-              <a:solidFill>
-                <a:schemeClr val="accent3"/>
-              </a:solidFill>
-              <a:latin typeface="Courier New"/>
-              <a:ea typeface="Courier New"/>
-              <a:cs typeface="Courier New"/>
-              <a:sym typeface="Courier New"/>
-            </a:endParaRPr>
-          </a:p>
-        </p:txBody>
-      </p:sp>
-      <p:sp>
-        <p:nvSpPr>
-          <p:cNvPr id="209" name="Google Shape;209;g31afdb7f163_0_2"/>
-          <p:cNvSpPr txBox="1"/>
-          <p:nvPr/>
-        </p:nvSpPr>
-        <p:spPr>
-          <a:xfrm>
-            <a:off x="6745225" y="2470475"/>
-            <a:ext cx="2289000" cy="831300"/>
-          </a:xfrm>
-          <a:prstGeom prst="rect">
-            <a:avLst/>
-          </a:prstGeom>
-          <a:noFill/>
-          <a:ln>
-            <a:noFill/>
-          </a:ln>
-        </p:spPr>
-        <p:txBody>
-          <a:bodyPr anchorCtr="0" anchor="t" bIns="91425" lIns="91425" spcFirstLastPara="1" rIns="91425" wrap="square" tIns="91425">
-            <a:spAutoFit/>
-          </a:bodyPr>
-          <a:lstStyle/>
-          <a:p>
-            <a:pPr indent="0" lvl="0" marL="0" rtl="0" algn="ctr">
-              <a:spcBef>
-                <a:spcPts val="0"/>
-              </a:spcBef>
-              <a:spcAft>
-                <a:spcPts val="0"/>
-              </a:spcAft>
-              <a:buNone/>
-            </a:pPr>
-            <a:r>
-              <a:rPr lang="en-GB">
-                <a:solidFill>
-                  <a:schemeClr val="dk1"/>
-                </a:solidFill>
-                <a:latin typeface="Courier New"/>
-                <a:ea typeface="Courier New"/>
-                <a:cs typeface="Courier New"/>
-                <a:sym typeface="Courier New"/>
-              </a:rPr>
-              <a:t>COMPARISON OF DIFFERENT ENSEMBLE MODELS</a:t>
-            </a:r>
-            <a:endParaRPr>
-              <a:solidFill>
-                <a:schemeClr val="dk1"/>
-              </a:solidFill>
-              <a:latin typeface="Courier New"/>
-              <a:ea typeface="Courier New"/>
-              <a:cs typeface="Courier New"/>
-              <a:sym typeface="Courier New"/>
-            </a:endParaRPr>
-          </a:p>
-        </p:txBody>
-      </p:sp>
-      <p:pic>
-        <p:nvPicPr>
-          <p:cNvPr id="210" name="Google Shape;210;g31afdb7f163_0_2"/>
-          <p:cNvPicPr preferRelativeResize="0"/>
-          <p:nvPr/>
-        </p:nvPicPr>
-        <p:blipFill>
-          <a:blip r:embed="rId3">
-            <a:alphaModFix/>
-          </a:blip>
-          <a:stretch>
-            <a:fillRect/>
-          </a:stretch>
-        </p:blipFill>
-        <p:spPr>
-          <a:xfrm>
-            <a:off x="311700" y="717850"/>
-            <a:ext cx="6433524" cy="4120849"/>
-          </a:xfrm>
-          <a:prstGeom prst="rect">
-            <a:avLst/>
-          </a:prstGeom>
-          <a:noFill/>
-          <a:ln>
-            <a:noFill/>
-          </a:ln>
-        </p:spPr>
-      </p:pic>
     </p:spTree>
   </p:cSld>
   <p:clrMapOvr>
@@ -16782,7 +16937,7 @@
           <a:effectLst>
             <a:outerShdw blurRad="485775" rotWithShape="0" algn="bl" dir="7800000" dist="209550">
               <a:srgbClr val="000000">
-                <a:alpha val="48627"/>
+                <a:alpha val="49019"/>
               </a:srgbClr>
             </a:outerShdw>
           </a:effectLst>
@@ -16867,7 +17022,7 @@
   <p:cSld>
     <p:spTree>
       <p:nvGrpSpPr>
-        <p:cNvPr id="214" name="Shape 214"/>
+        <p:cNvPr id="213" name="Shape 213"/>
         <p:cNvGrpSpPr/>
         <p:nvPr/>
       </p:nvGrpSpPr>
@@ -16881,7 +17036,7 @@
       </p:grpSpPr>
       <p:sp>
         <p:nvSpPr>
-          <p:cNvPr id="215" name="Google Shape;215;p18"/>
+          <p:cNvPr id="214" name="Google Shape;214;p19"/>
           <p:cNvSpPr txBox="1"/>
           <p:nvPr>
             <p:ph type="title"/>
@@ -16916,11 +17071,7 @@
               <a:spcAft>
                 <a:spcPts val="0"/>
               </a:spcAft>
-              <a:buClr>
-                <a:srgbClr val="000000"/>
-              </a:buClr>
-              <a:buSzPct val="34137"/>
-              <a:buFont typeface="Arial"/>
+              <a:buSzPct val="114942"/>
               <a:buNone/>
             </a:pPr>
             <a:r>
@@ -16929,7 +17080,7 @@
                   <a:schemeClr val="accent5"/>
                 </a:solidFill>
               </a:rPr>
-              <a:t>PROTOTYPE</a:t>
+              <a:t>PROTOTYPE (CONTINUED)</a:t>
             </a:r>
             <a:endParaRPr b="1" sz="2900">
               <a:solidFill>
@@ -16960,714 +17111,7 @@
       </p:sp>
       <p:sp>
         <p:nvSpPr>
-          <p:cNvPr id="216" name="Google Shape;216;p18"/>
-          <p:cNvSpPr txBox="1"/>
-          <p:nvPr>
-            <p:ph idx="1" type="body"/>
-          </p:nvPr>
-        </p:nvSpPr>
-        <p:spPr>
-          <a:xfrm>
-            <a:off x="235500" y="908925"/>
-            <a:ext cx="4260300" cy="3992700"/>
-          </a:xfrm>
-          <a:prstGeom prst="rect">
-            <a:avLst/>
-          </a:prstGeom>
-          <a:noFill/>
-          <a:ln>
-            <a:noFill/>
-          </a:ln>
-        </p:spPr>
-        <p:txBody>
-          <a:bodyPr anchorCtr="0" anchor="t" bIns="91425" lIns="91425" spcFirstLastPara="1" rIns="91425" wrap="square" tIns="91425">
-            <a:normAutofit lnSpcReduction="20000"/>
-          </a:bodyPr>
-          <a:lstStyle/>
-          <a:p>
-            <a:pPr indent="-323850" lvl="0" marL="457200" rtl="0" algn="l">
-              <a:lnSpc>
-                <a:spcPct val="115000"/>
-              </a:lnSpc>
-              <a:spcBef>
-                <a:spcPts val="0"/>
-              </a:spcBef>
-              <a:spcAft>
-                <a:spcPts val="0"/>
-              </a:spcAft>
-              <a:buClr>
-                <a:schemeClr val="accent5"/>
-              </a:buClr>
-              <a:buSzPts val="1500"/>
-              <a:buFont typeface="Courier New"/>
-              <a:buChar char="➔"/>
-            </a:pPr>
-            <a:r>
-              <a:rPr lang="en-GB" sz="1500">
-                <a:solidFill>
-                  <a:schemeClr val="dk1"/>
-                </a:solidFill>
-                <a:latin typeface="Courier New"/>
-                <a:ea typeface="Courier New"/>
-                <a:cs typeface="Courier New"/>
-                <a:sym typeface="Courier New"/>
-              </a:rPr>
-              <a:t>A functional prototype was developed to classify mental health concerns from social media posts.</a:t>
-            </a:r>
-            <a:endParaRPr sz="1500">
-              <a:solidFill>
-                <a:schemeClr val="dk1"/>
-              </a:solidFill>
-              <a:latin typeface="Courier New"/>
-              <a:ea typeface="Courier New"/>
-              <a:cs typeface="Courier New"/>
-              <a:sym typeface="Courier New"/>
-            </a:endParaRPr>
-          </a:p>
-          <a:p>
-            <a:pPr indent="-323850" lvl="0" marL="457200" rtl="0" algn="l">
-              <a:lnSpc>
-                <a:spcPct val="115000"/>
-              </a:lnSpc>
-              <a:spcBef>
-                <a:spcPts val="0"/>
-              </a:spcBef>
-              <a:spcAft>
-                <a:spcPts val="0"/>
-              </a:spcAft>
-              <a:buClr>
-                <a:schemeClr val="accent5"/>
-              </a:buClr>
-              <a:buSzPts val="1500"/>
-              <a:buFont typeface="Courier New"/>
-              <a:buChar char="➔"/>
-            </a:pPr>
-            <a:r>
-              <a:rPr lang="en-GB" sz="1500">
-                <a:solidFill>
-                  <a:schemeClr val="dk1"/>
-                </a:solidFill>
-                <a:latin typeface="Courier New"/>
-                <a:ea typeface="Courier New"/>
-                <a:cs typeface="Courier New"/>
-                <a:sym typeface="Courier New"/>
-              </a:rPr>
-              <a:t>The system allows users to input text, upload images, or submit video for classification.</a:t>
-            </a:r>
-            <a:endParaRPr sz="1500">
-              <a:solidFill>
-                <a:schemeClr val="dk1"/>
-              </a:solidFill>
-              <a:latin typeface="Courier New"/>
-              <a:ea typeface="Courier New"/>
-              <a:cs typeface="Courier New"/>
-              <a:sym typeface="Courier New"/>
-            </a:endParaRPr>
-          </a:p>
-          <a:p>
-            <a:pPr indent="-323850" lvl="0" marL="457200" rtl="0" algn="l">
-              <a:lnSpc>
-                <a:spcPct val="115000"/>
-              </a:lnSpc>
-              <a:spcBef>
-                <a:spcPts val="0"/>
-              </a:spcBef>
-              <a:spcAft>
-                <a:spcPts val="0"/>
-              </a:spcAft>
-              <a:buClr>
-                <a:schemeClr val="accent5"/>
-              </a:buClr>
-              <a:buSzPts val="1500"/>
-              <a:buFont typeface="Courier New"/>
-              <a:buChar char="➔"/>
-            </a:pPr>
-            <a:r>
-              <a:rPr lang="en-GB" sz="1500">
-                <a:solidFill>
-                  <a:schemeClr val="dk1"/>
-                </a:solidFill>
-                <a:latin typeface="Courier New"/>
-                <a:ea typeface="Courier New"/>
-                <a:cs typeface="Courier New"/>
-                <a:sym typeface="Courier New"/>
-              </a:rPr>
-              <a:t>Key functionalities include text preprocessing, feature extraction, and prediction using trained machine learning models.</a:t>
-            </a:r>
-            <a:endParaRPr sz="1500">
-              <a:solidFill>
-                <a:schemeClr val="dk1"/>
-              </a:solidFill>
-              <a:latin typeface="Courier New"/>
-              <a:ea typeface="Courier New"/>
-              <a:cs typeface="Courier New"/>
-              <a:sym typeface="Courier New"/>
-            </a:endParaRPr>
-          </a:p>
-          <a:p>
-            <a:pPr indent="-323850" lvl="0" marL="457200" rtl="0" algn="l">
-              <a:lnSpc>
-                <a:spcPct val="115000"/>
-              </a:lnSpc>
-              <a:spcBef>
-                <a:spcPts val="0"/>
-              </a:spcBef>
-              <a:spcAft>
-                <a:spcPts val="0"/>
-              </a:spcAft>
-              <a:buClr>
-                <a:schemeClr val="accent5"/>
-              </a:buClr>
-              <a:buSzPts val="1500"/>
-              <a:buFont typeface="Courier New"/>
-              <a:buChar char="➔"/>
-            </a:pPr>
-            <a:r>
-              <a:rPr lang="en-GB" sz="1500">
-                <a:solidFill>
-                  <a:schemeClr val="dk1"/>
-                </a:solidFill>
-                <a:latin typeface="Courier New"/>
-                <a:ea typeface="Courier New"/>
-                <a:cs typeface="Courier New"/>
-                <a:sym typeface="Courier New"/>
-              </a:rPr>
-              <a:t>Real-time results display the most probable mental health concern with confidence scores.</a:t>
-            </a:r>
-            <a:endParaRPr sz="1500">
-              <a:solidFill>
-                <a:schemeClr val="dk1"/>
-              </a:solidFill>
-              <a:latin typeface="Courier New"/>
-              <a:ea typeface="Courier New"/>
-              <a:cs typeface="Courier New"/>
-              <a:sym typeface="Courier New"/>
-            </a:endParaRPr>
-          </a:p>
-          <a:p>
-            <a:pPr indent="-323850" lvl="0" marL="457200" rtl="0" algn="l">
-              <a:lnSpc>
-                <a:spcPct val="115000"/>
-              </a:lnSpc>
-              <a:spcBef>
-                <a:spcPts val="0"/>
-              </a:spcBef>
-              <a:spcAft>
-                <a:spcPts val="0"/>
-              </a:spcAft>
-              <a:buClr>
-                <a:schemeClr val="accent5"/>
-              </a:buClr>
-              <a:buSzPts val="1500"/>
-              <a:buFont typeface="Courier New"/>
-              <a:buChar char="➔"/>
-            </a:pPr>
-            <a:r>
-              <a:rPr lang="en-GB" sz="1500">
-                <a:solidFill>
-                  <a:schemeClr val="dk1"/>
-                </a:solidFill>
-                <a:latin typeface="Courier New"/>
-                <a:ea typeface="Courier New"/>
-                <a:cs typeface="Courier New"/>
-                <a:sym typeface="Courier New"/>
-              </a:rPr>
-              <a:t>Allow user to retrain model.</a:t>
-            </a:r>
-            <a:endParaRPr sz="1500">
-              <a:solidFill>
-                <a:schemeClr val="dk1"/>
-              </a:solidFill>
-              <a:latin typeface="Courier New"/>
-              <a:ea typeface="Courier New"/>
-              <a:cs typeface="Courier New"/>
-              <a:sym typeface="Courier New"/>
-            </a:endParaRPr>
-          </a:p>
-        </p:txBody>
-      </p:sp>
-      <p:sp>
-        <p:nvSpPr>
-          <p:cNvPr id="217" name="Google Shape;217;p18"/>
-          <p:cNvSpPr txBox="1"/>
-          <p:nvPr/>
-        </p:nvSpPr>
-        <p:spPr>
-          <a:xfrm>
-            <a:off x="4229875" y="692075"/>
-            <a:ext cx="4697100" cy="3992700"/>
-          </a:xfrm>
-          <a:prstGeom prst="rect">
-            <a:avLst/>
-          </a:prstGeom>
-          <a:noFill/>
-          <a:ln>
-            <a:noFill/>
-          </a:ln>
-        </p:spPr>
-        <p:txBody>
-          <a:bodyPr anchorCtr="0" anchor="t" bIns="91425" lIns="91425" spcFirstLastPara="1" rIns="91425" wrap="square" tIns="91425">
-            <a:noAutofit/>
-          </a:bodyPr>
-          <a:lstStyle/>
-          <a:p>
-            <a:pPr indent="-323850" lvl="0" marL="457200" marR="0" rtl="0" algn="l">
-              <a:lnSpc>
-                <a:spcPct val="100000"/>
-              </a:lnSpc>
-              <a:spcBef>
-                <a:spcPts val="0"/>
-              </a:spcBef>
-              <a:spcAft>
-                <a:spcPts val="0"/>
-              </a:spcAft>
-              <a:buClr>
-                <a:schemeClr val="accent5"/>
-              </a:buClr>
-              <a:buSzPts val="1500"/>
-              <a:buFont typeface="Courier New"/>
-              <a:buChar char="➔"/>
-            </a:pPr>
-            <a:r>
-              <a:rPr b="1" i="0" lang="en-GB" sz="1500" u="none" cap="none" strike="noStrike">
-                <a:solidFill>
-                  <a:schemeClr val="accent5"/>
-                </a:solidFill>
-                <a:latin typeface="Courier New"/>
-                <a:ea typeface="Courier New"/>
-                <a:cs typeface="Courier New"/>
-                <a:sym typeface="Courier New"/>
-              </a:rPr>
-              <a:t>Text Classification</a:t>
-            </a:r>
-            <a:r>
-              <a:rPr b="1" i="0" lang="en-GB" sz="1500" u="none" cap="none" strike="noStrike">
-                <a:solidFill>
-                  <a:schemeClr val="dk1"/>
-                </a:solidFill>
-                <a:latin typeface="Courier New"/>
-                <a:ea typeface="Courier New"/>
-                <a:cs typeface="Courier New"/>
-                <a:sym typeface="Courier New"/>
-              </a:rPr>
-              <a:t> : </a:t>
-            </a:r>
-            <a:r>
-              <a:rPr b="0" i="0" lang="en-GB" sz="1500" u="none" cap="none" strike="noStrike">
-                <a:solidFill>
-                  <a:schemeClr val="dk1"/>
-                </a:solidFill>
-                <a:latin typeface="Courier New"/>
-                <a:ea typeface="Courier New"/>
-                <a:cs typeface="Courier New"/>
-                <a:sym typeface="Courier New"/>
-              </a:rPr>
-              <a:t>Users can directly input text for immediate analysis and classification.</a:t>
-            </a:r>
-            <a:endParaRPr b="0" i="0" sz="1500" u="none" cap="none" strike="noStrike">
-              <a:solidFill>
-                <a:schemeClr val="dk1"/>
-              </a:solidFill>
-              <a:latin typeface="Courier New"/>
-              <a:ea typeface="Courier New"/>
-              <a:cs typeface="Courier New"/>
-              <a:sym typeface="Courier New"/>
-            </a:endParaRPr>
-          </a:p>
-          <a:p>
-            <a:pPr indent="-323850" lvl="0" marL="457200" marR="0" rtl="0" algn="l">
-              <a:lnSpc>
-                <a:spcPct val="100000"/>
-              </a:lnSpc>
-              <a:spcBef>
-                <a:spcPts val="0"/>
-              </a:spcBef>
-              <a:spcAft>
-                <a:spcPts val="0"/>
-              </a:spcAft>
-              <a:buClr>
-                <a:schemeClr val="accent5"/>
-              </a:buClr>
-              <a:buSzPts val="1500"/>
-              <a:buFont typeface="Courier New"/>
-              <a:buChar char="➔"/>
-            </a:pPr>
-            <a:r>
-              <a:rPr b="1" i="0" lang="en-GB" sz="1500" u="none" cap="none" strike="noStrike">
-                <a:solidFill>
-                  <a:schemeClr val="accent5"/>
-                </a:solidFill>
-                <a:latin typeface="Courier New"/>
-                <a:ea typeface="Courier New"/>
-                <a:cs typeface="Courier New"/>
-                <a:sym typeface="Courier New"/>
-              </a:rPr>
-              <a:t>Image-based Classification</a:t>
-            </a:r>
-            <a:r>
-              <a:rPr b="1" i="0" lang="en-GB" sz="1500" u="none" cap="none" strike="noStrike">
-                <a:solidFill>
-                  <a:schemeClr val="dk1"/>
-                </a:solidFill>
-                <a:latin typeface="Courier New"/>
-                <a:ea typeface="Courier New"/>
-                <a:cs typeface="Courier New"/>
-                <a:sym typeface="Courier New"/>
-              </a:rPr>
-              <a:t> : </a:t>
-            </a:r>
-            <a:r>
-              <a:rPr b="0" i="0" lang="en-GB" sz="1500" u="none" cap="none" strike="noStrike">
-                <a:solidFill>
-                  <a:schemeClr val="dk1"/>
-                </a:solidFill>
-                <a:latin typeface="Courier New"/>
-                <a:ea typeface="Courier New"/>
-                <a:cs typeface="Courier New"/>
-                <a:sym typeface="Courier New"/>
-              </a:rPr>
-              <a:t>Extracts text from uploaded images using OCR (pytesseract), get captions and facial emotions to classify the content.</a:t>
-            </a:r>
-            <a:endParaRPr b="0" i="0" sz="1500" u="none" cap="none" strike="noStrike">
-              <a:solidFill>
-                <a:schemeClr val="dk1"/>
-              </a:solidFill>
-              <a:latin typeface="Courier New"/>
-              <a:ea typeface="Courier New"/>
-              <a:cs typeface="Courier New"/>
-              <a:sym typeface="Courier New"/>
-            </a:endParaRPr>
-          </a:p>
-          <a:p>
-            <a:pPr indent="-323850" lvl="0" marL="457200" marR="0" rtl="0" algn="l">
-              <a:lnSpc>
-                <a:spcPct val="100000"/>
-              </a:lnSpc>
-              <a:spcBef>
-                <a:spcPts val="0"/>
-              </a:spcBef>
-              <a:spcAft>
-                <a:spcPts val="0"/>
-              </a:spcAft>
-              <a:buClr>
-                <a:schemeClr val="accent5"/>
-              </a:buClr>
-              <a:buSzPts val="1500"/>
-              <a:buFont typeface="Courier New"/>
-              <a:buChar char="➔"/>
-            </a:pPr>
-            <a:r>
-              <a:rPr b="1" i="0" lang="en-GB" sz="1500" u="none" cap="none" strike="noStrike">
-                <a:solidFill>
-                  <a:schemeClr val="accent5"/>
-                </a:solidFill>
-                <a:latin typeface="Courier New"/>
-                <a:ea typeface="Courier New"/>
-                <a:cs typeface="Courier New"/>
-                <a:sym typeface="Courier New"/>
-              </a:rPr>
-              <a:t>Video-based Classification</a:t>
-            </a:r>
-            <a:r>
-              <a:rPr b="1" i="0" lang="en-GB" sz="1500" u="none" cap="none" strike="noStrike">
-                <a:solidFill>
-                  <a:schemeClr val="dk1"/>
-                </a:solidFill>
-                <a:latin typeface="Courier New"/>
-                <a:ea typeface="Courier New"/>
-                <a:cs typeface="Courier New"/>
-                <a:sym typeface="Courier New"/>
-              </a:rPr>
-              <a:t> : </a:t>
-            </a:r>
-            <a:r>
-              <a:rPr b="0" i="0" lang="en-GB" sz="1500" u="none" cap="none" strike="noStrike">
-                <a:solidFill>
-                  <a:schemeClr val="dk1"/>
-                </a:solidFill>
-                <a:latin typeface="Courier New"/>
-                <a:ea typeface="Courier New"/>
-                <a:cs typeface="Courier New"/>
-                <a:sym typeface="Courier New"/>
-              </a:rPr>
-              <a:t>Processes uploaded video files, extract text from frames, transcribes speech to text, get captions and facial emotions to classify the content.</a:t>
-            </a:r>
-            <a:endParaRPr b="0" i="0" sz="1500" u="none" cap="none" strike="noStrike">
-              <a:solidFill>
-                <a:schemeClr val="dk1"/>
-              </a:solidFill>
-              <a:latin typeface="Courier New"/>
-              <a:ea typeface="Courier New"/>
-              <a:cs typeface="Courier New"/>
-              <a:sym typeface="Courier New"/>
-            </a:endParaRPr>
-          </a:p>
-          <a:p>
-            <a:pPr indent="-323850" lvl="0" marL="457200" marR="0" rtl="0" algn="l">
-              <a:lnSpc>
-                <a:spcPct val="100000"/>
-              </a:lnSpc>
-              <a:spcBef>
-                <a:spcPts val="0"/>
-              </a:spcBef>
-              <a:spcAft>
-                <a:spcPts val="0"/>
-              </a:spcAft>
-              <a:buClr>
-                <a:schemeClr val="accent5"/>
-              </a:buClr>
-              <a:buSzPts val="1500"/>
-              <a:buFont typeface="Courier New"/>
-              <a:buChar char="➔"/>
-            </a:pPr>
-            <a:r>
-              <a:rPr b="1" i="0" lang="en-GB" sz="1500" u="none" cap="none" strike="noStrike">
-                <a:solidFill>
-                  <a:schemeClr val="accent5"/>
-                </a:solidFill>
-                <a:latin typeface="Courier New"/>
-                <a:ea typeface="Courier New"/>
-                <a:cs typeface="Courier New"/>
-                <a:sym typeface="Courier New"/>
-              </a:rPr>
-              <a:t>Userprofile Analysis</a:t>
-            </a:r>
-            <a:r>
-              <a:rPr b="1" i="0" lang="en-GB" sz="1500" u="none" cap="none" strike="noStrike">
-                <a:solidFill>
-                  <a:schemeClr val="dk1"/>
-                </a:solidFill>
-                <a:latin typeface="Courier New"/>
-                <a:ea typeface="Courier New"/>
-                <a:cs typeface="Courier New"/>
-                <a:sym typeface="Courier New"/>
-              </a:rPr>
-              <a:t> : </a:t>
-            </a:r>
-            <a:r>
-              <a:rPr b="0" i="0" lang="en-GB" sz="1500" u="none" cap="none" strike="noStrike">
-                <a:solidFill>
-                  <a:schemeClr val="dk1"/>
-                </a:solidFill>
-                <a:latin typeface="Courier New"/>
-                <a:ea typeface="Courier New"/>
-                <a:cs typeface="Courier New"/>
-                <a:sym typeface="Courier New"/>
-              </a:rPr>
-              <a:t>Enables analysing user profiles based on posts in Reddit and Twitter</a:t>
-            </a:r>
-            <a:endParaRPr b="0" i="0" sz="1500" u="none" cap="none" strike="noStrike">
-              <a:solidFill>
-                <a:schemeClr val="dk1"/>
-              </a:solidFill>
-              <a:latin typeface="Courier New"/>
-              <a:ea typeface="Courier New"/>
-              <a:cs typeface="Courier New"/>
-              <a:sym typeface="Courier New"/>
-            </a:endParaRPr>
-          </a:p>
-          <a:p>
-            <a:pPr indent="0" lvl="0" marL="0" marR="0" rtl="0" algn="l">
-              <a:lnSpc>
-                <a:spcPct val="100000"/>
-              </a:lnSpc>
-              <a:spcBef>
-                <a:spcPts val="0"/>
-              </a:spcBef>
-              <a:spcAft>
-                <a:spcPts val="0"/>
-              </a:spcAft>
-              <a:buClr>
-                <a:srgbClr val="000000"/>
-              </a:buClr>
-              <a:buSzPts val="1500"/>
-              <a:buFont typeface="Arial"/>
-              <a:buNone/>
-            </a:pPr>
-            <a:r>
-              <a:t/>
-            </a:r>
-            <a:endParaRPr b="0" i="0" sz="1500" u="none" cap="none" strike="noStrike">
-              <a:solidFill>
-                <a:schemeClr val="dk1"/>
-              </a:solidFill>
-              <a:latin typeface="Courier New"/>
-              <a:ea typeface="Courier New"/>
-              <a:cs typeface="Courier New"/>
-              <a:sym typeface="Courier New"/>
-            </a:endParaRPr>
-          </a:p>
-        </p:txBody>
-      </p:sp>
-      <p:sp>
-        <p:nvSpPr>
-          <p:cNvPr id="218" name="Google Shape;218;p18"/>
-          <p:cNvSpPr txBox="1"/>
-          <p:nvPr/>
-        </p:nvSpPr>
-        <p:spPr>
-          <a:xfrm>
-            <a:off x="2850600" y="0"/>
-            <a:ext cx="6293400" cy="293700"/>
-          </a:xfrm>
-          <a:prstGeom prst="rect">
-            <a:avLst/>
-          </a:prstGeom>
-          <a:noFill/>
-          <a:ln>
-            <a:noFill/>
-          </a:ln>
-        </p:spPr>
-        <p:txBody>
-          <a:bodyPr anchorCtr="0" anchor="t" bIns="91425" lIns="91425" spcFirstLastPara="1" rIns="91425" wrap="square" tIns="91425">
-            <a:noAutofit/>
-          </a:bodyPr>
-          <a:lstStyle/>
-          <a:p>
-            <a:pPr indent="0" lvl="0" marL="0" marR="0" rtl="0" algn="r">
-              <a:lnSpc>
-                <a:spcPct val="80000"/>
-              </a:lnSpc>
-              <a:spcBef>
-                <a:spcPts val="0"/>
-              </a:spcBef>
-              <a:spcAft>
-                <a:spcPts val="0"/>
-              </a:spcAft>
-              <a:buClr>
-                <a:srgbClr val="000000"/>
-              </a:buClr>
-              <a:buSzPts val="852"/>
-              <a:buFont typeface="Arial"/>
-              <a:buNone/>
-            </a:pPr>
-            <a:r>
-              <a:rPr b="0" i="0" lang="en-GB" sz="1052" u="none" cap="none" strike="noStrike">
-                <a:solidFill>
-                  <a:schemeClr val="dk1"/>
-                </a:solidFill>
-                <a:latin typeface="Courier New"/>
-                <a:ea typeface="Courier New"/>
-                <a:cs typeface="Courier New"/>
-                <a:sym typeface="Courier New"/>
-              </a:rPr>
-              <a:t>GR29 ANALYZING SOCIAL MEDIA POSTS FOR MENTAL HEALTH DISORDER DETECTION</a:t>
-            </a:r>
-            <a:endParaRPr b="0" i="0" sz="1052" u="none" cap="none" strike="noStrike">
-              <a:solidFill>
-                <a:schemeClr val="dk1"/>
-              </a:solidFill>
-              <a:latin typeface="Courier New"/>
-              <a:ea typeface="Courier New"/>
-              <a:cs typeface="Courier New"/>
-              <a:sym typeface="Courier New"/>
-            </a:endParaRPr>
-          </a:p>
-        </p:txBody>
-      </p:sp>
-    </p:spTree>
-  </p:cSld>
-  <p:clrMapOvr>
-    <a:masterClrMapping/>
-  </p:clrMapOvr>
-</p:sld>
-</file>
-
-<file path=ppt/slides/slide21.xml><?xml version="1.0" encoding="utf-8"?>
-<p:sld xmlns:a="http://schemas.openxmlformats.org/drawingml/2006/main" xmlns:r="http://schemas.openxmlformats.org/officeDocument/2006/relationships" xmlns:mc="http://schemas.openxmlformats.org/markup-compatibility/2006" xmlns:mv="urn:schemas-microsoft-com:mac:vml" xmlns:p="http://schemas.openxmlformats.org/presentationml/2006/main" xmlns:c="http://schemas.openxmlformats.org/drawingml/2006/chart" xmlns:dgm="http://schemas.openxmlformats.org/drawingml/2006/diagram" xmlns:o="urn:schemas-microsoft-com:office:office" xmlns:v="urn:schemas-microsoft-com:vml" xmlns:pvml="urn:schemas-microsoft-com:office:powerpoint" xmlns:com="http://schemas.openxmlformats.org/drawingml/2006/compatibility" xmlns:p14="http://schemas.microsoft.com/office/powerpoint/2010/main" xmlns:p15="http://schemas.microsoft.com/office/powerpoint/2012/main" xmlns:ahyp="http://schemas.microsoft.com/office/drawing/2018/hyperlinkcolor">
-  <p:cSld>
-    <p:spTree>
-      <p:nvGrpSpPr>
-        <p:cNvPr id="222" name="Shape 222"/>
-        <p:cNvGrpSpPr/>
-        <p:nvPr/>
-      </p:nvGrpSpPr>
-      <p:grpSpPr>
-        <a:xfrm>
-          <a:off x="0" y="0"/>
-          <a:ext cx="0" cy="0"/>
-          <a:chOff x="0" y="0"/>
-          <a:chExt cx="0" cy="0"/>
-        </a:xfrm>
-      </p:grpSpPr>
-      <p:sp>
-        <p:nvSpPr>
-          <p:cNvPr id="223" name="Google Shape;223;p19"/>
-          <p:cNvSpPr txBox="1"/>
-          <p:nvPr>
-            <p:ph type="title"/>
-          </p:nvPr>
-        </p:nvSpPr>
-        <p:spPr>
-          <a:xfrm>
-            <a:off x="311700" y="198425"/>
-            <a:ext cx="8520600" cy="572700"/>
-          </a:xfrm>
-          <a:prstGeom prst="rect">
-            <a:avLst/>
-          </a:prstGeom>
-          <a:noFill/>
-          <a:ln>
-            <a:noFill/>
-          </a:ln>
-        </p:spPr>
-        <p:txBody>
-          <a:bodyPr anchorCtr="0" anchor="t" bIns="91425" lIns="91425" spcFirstLastPara="1" rIns="91425" wrap="square" tIns="91425">
-            <a:normAutofit fontScale="90000"/>
-          </a:bodyPr>
-          <a:lstStyle/>
-          <a:p>
-            <a:pPr indent="0" lvl="0" marL="0" rtl="0" algn="l">
-              <a:lnSpc>
-                <a:spcPct val="100000"/>
-              </a:lnSpc>
-              <a:spcBef>
-                <a:spcPts val="0"/>
-              </a:spcBef>
-              <a:spcAft>
-                <a:spcPts val="0"/>
-              </a:spcAft>
-              <a:buSzPct val="114942"/>
-              <a:buNone/>
-            </a:pPr>
-            <a:r>
-              <a:rPr b="1" lang="en-GB" sz="2900">
-                <a:solidFill>
-                  <a:schemeClr val="accent5"/>
-                </a:solidFill>
-              </a:rPr>
-              <a:t>PROTOTYPE (CONTINUED)</a:t>
-            </a:r>
-            <a:endParaRPr b="1" sz="2900">
-              <a:solidFill>
-                <a:schemeClr val="accent5"/>
-              </a:solidFill>
-            </a:endParaRPr>
-          </a:p>
-          <a:p>
-            <a:pPr indent="0" lvl="0" marL="0" rtl="0" algn="l">
-              <a:lnSpc>
-                <a:spcPct val="100000"/>
-              </a:lnSpc>
-              <a:spcBef>
-                <a:spcPts val="0"/>
-              </a:spcBef>
-              <a:spcAft>
-                <a:spcPts val="0"/>
-              </a:spcAft>
-              <a:buSzPct val="111111"/>
-              <a:buNone/>
-            </a:pPr>
-            <a:r>
-              <a:t/>
-            </a:r>
-            <a:endParaRPr/>
-          </a:p>
-        </p:txBody>
-      </p:sp>
-      <p:sp>
-        <p:nvSpPr>
-          <p:cNvPr id="224" name="Google Shape;224;p19"/>
+          <p:cNvPr id="215" name="Google Shape;215;p19"/>
           <p:cNvSpPr txBox="1"/>
           <p:nvPr/>
         </p:nvSpPr>
@@ -17733,7 +17177,7 @@
       </p:sp>
       <p:pic>
         <p:nvPicPr>
-          <p:cNvPr id="225" name="Google Shape;225;p19"/>
+          <p:cNvPr id="216" name="Google Shape;216;p19"/>
           <p:cNvPicPr preferRelativeResize="0"/>
           <p:nvPr/>
         </p:nvPicPr>
@@ -17760,7 +17204,495 @@
       </p:pic>
       <p:sp>
         <p:nvSpPr>
-          <p:cNvPr id="226" name="Google Shape;226;p19"/>
+          <p:cNvPr id="217" name="Google Shape;217;p19"/>
+          <p:cNvSpPr txBox="1"/>
+          <p:nvPr/>
+        </p:nvSpPr>
+        <p:spPr>
+          <a:xfrm>
+            <a:off x="2850600" y="0"/>
+            <a:ext cx="6293400" cy="293700"/>
+          </a:xfrm>
+          <a:prstGeom prst="rect">
+            <a:avLst/>
+          </a:prstGeom>
+          <a:noFill/>
+          <a:ln>
+            <a:noFill/>
+          </a:ln>
+        </p:spPr>
+        <p:txBody>
+          <a:bodyPr anchorCtr="0" anchor="t" bIns="91425" lIns="91425" spcFirstLastPara="1" rIns="91425" wrap="square" tIns="91425">
+            <a:noAutofit/>
+          </a:bodyPr>
+          <a:lstStyle/>
+          <a:p>
+            <a:pPr indent="0" lvl="0" marL="0" marR="0" rtl="0" algn="r">
+              <a:lnSpc>
+                <a:spcPct val="80000"/>
+              </a:lnSpc>
+              <a:spcBef>
+                <a:spcPts val="0"/>
+              </a:spcBef>
+              <a:spcAft>
+                <a:spcPts val="0"/>
+              </a:spcAft>
+              <a:buClr>
+                <a:srgbClr val="000000"/>
+              </a:buClr>
+              <a:buSzPts val="852"/>
+              <a:buFont typeface="Arial"/>
+              <a:buNone/>
+            </a:pPr>
+            <a:r>
+              <a:rPr b="0" i="0" lang="en-GB" sz="1052" u="none" cap="none" strike="noStrike">
+                <a:solidFill>
+                  <a:schemeClr val="dk1"/>
+                </a:solidFill>
+                <a:latin typeface="Courier New"/>
+                <a:ea typeface="Courier New"/>
+                <a:cs typeface="Courier New"/>
+                <a:sym typeface="Courier New"/>
+              </a:rPr>
+              <a:t>GR29 ANALYZING SOCIAL MEDIA POSTS FOR MENTAL HEALTH DISORDER DETECTION</a:t>
+            </a:r>
+            <a:endParaRPr b="0" i="0" sz="1052" u="none" cap="none" strike="noStrike">
+              <a:solidFill>
+                <a:schemeClr val="dk1"/>
+              </a:solidFill>
+              <a:latin typeface="Courier New"/>
+              <a:ea typeface="Courier New"/>
+              <a:cs typeface="Courier New"/>
+              <a:sym typeface="Courier New"/>
+            </a:endParaRPr>
+          </a:p>
+        </p:txBody>
+      </p:sp>
+    </p:spTree>
+  </p:cSld>
+  <p:clrMapOvr>
+    <a:masterClrMapping/>
+  </p:clrMapOvr>
+</p:sld>
+</file>
+
+<file path=ppt/slides/slide21.xml><?xml version="1.0" encoding="utf-8"?>
+<p:sld xmlns:a="http://schemas.openxmlformats.org/drawingml/2006/main" xmlns:r="http://schemas.openxmlformats.org/officeDocument/2006/relationships" xmlns:mc="http://schemas.openxmlformats.org/markup-compatibility/2006" xmlns:mv="urn:schemas-microsoft-com:mac:vml" xmlns:p="http://schemas.openxmlformats.org/presentationml/2006/main" xmlns:c="http://schemas.openxmlformats.org/drawingml/2006/chart" xmlns:dgm="http://schemas.openxmlformats.org/drawingml/2006/diagram" xmlns:o="urn:schemas-microsoft-com:office:office" xmlns:v="urn:schemas-microsoft-com:vml" xmlns:pvml="urn:schemas-microsoft-com:office:powerpoint" xmlns:com="http://schemas.openxmlformats.org/drawingml/2006/compatibility" xmlns:p14="http://schemas.microsoft.com/office/powerpoint/2010/main" xmlns:p15="http://schemas.microsoft.com/office/powerpoint/2012/main" xmlns:ahyp="http://schemas.microsoft.com/office/drawing/2018/hyperlinkcolor">
+  <p:cSld>
+    <p:spTree>
+      <p:nvGrpSpPr>
+        <p:cNvPr id="221" name="Shape 221"/>
+        <p:cNvGrpSpPr/>
+        <p:nvPr/>
+      </p:nvGrpSpPr>
+      <p:grpSpPr>
+        <a:xfrm>
+          <a:off x="0" y="0"/>
+          <a:ext cx="0" cy="0"/>
+          <a:chOff x="0" y="0"/>
+          <a:chExt cx="0" cy="0"/>
+        </a:xfrm>
+      </p:grpSpPr>
+      <p:sp>
+        <p:nvSpPr>
+          <p:cNvPr id="222" name="Google Shape;222;p20"/>
+          <p:cNvSpPr txBox="1"/>
+          <p:nvPr>
+            <p:ph type="title"/>
+          </p:nvPr>
+        </p:nvSpPr>
+        <p:spPr>
+          <a:xfrm>
+            <a:off x="311700" y="145150"/>
+            <a:ext cx="8520600" cy="572700"/>
+          </a:xfrm>
+          <a:prstGeom prst="rect">
+            <a:avLst/>
+          </a:prstGeom>
+          <a:noFill/>
+          <a:ln>
+            <a:noFill/>
+          </a:ln>
+        </p:spPr>
+        <p:txBody>
+          <a:bodyPr anchorCtr="0" anchor="t" bIns="91425" lIns="91425" spcFirstLastPara="1" rIns="91425" wrap="square" tIns="91425">
+            <a:noAutofit/>
+          </a:bodyPr>
+          <a:lstStyle/>
+          <a:p>
+            <a:pPr indent="0" lvl="0" marL="0" rtl="0" algn="l">
+              <a:lnSpc>
+                <a:spcPct val="100000"/>
+              </a:lnSpc>
+              <a:spcBef>
+                <a:spcPts val="0"/>
+              </a:spcBef>
+              <a:spcAft>
+                <a:spcPts val="0"/>
+              </a:spcAft>
+              <a:buSzPts val="990"/>
+              <a:buNone/>
+            </a:pPr>
+            <a:r>
+              <a:rPr b="1" lang="en-GB" sz="2900">
+                <a:solidFill>
+                  <a:schemeClr val="accent5"/>
+                </a:solidFill>
+              </a:rPr>
+              <a:t>CONCLUSION</a:t>
+            </a:r>
+            <a:endParaRPr b="1" sz="2900">
+              <a:solidFill>
+                <a:schemeClr val="accent5"/>
+              </a:solidFill>
+            </a:endParaRPr>
+          </a:p>
+        </p:txBody>
+      </p:sp>
+      <p:sp>
+        <p:nvSpPr>
+          <p:cNvPr id="223" name="Google Shape;223;p20"/>
+          <p:cNvSpPr txBox="1"/>
+          <p:nvPr/>
+        </p:nvSpPr>
+        <p:spPr>
+          <a:xfrm>
+            <a:off x="408750" y="717850"/>
+            <a:ext cx="8326500" cy="4089900"/>
+          </a:xfrm>
+          <a:prstGeom prst="rect">
+            <a:avLst/>
+          </a:prstGeom>
+          <a:noFill/>
+          <a:ln>
+            <a:noFill/>
+          </a:ln>
+        </p:spPr>
+        <p:txBody>
+          <a:bodyPr anchorCtr="0" anchor="t" bIns="91425" lIns="91425" spcFirstLastPara="1" rIns="91425" wrap="square" tIns="91425">
+            <a:noAutofit/>
+          </a:bodyPr>
+          <a:lstStyle/>
+          <a:p>
+            <a:pPr indent="-317500" lvl="0" marL="457200" marR="0" rtl="0" algn="l">
+              <a:lnSpc>
+                <a:spcPct val="100000"/>
+              </a:lnSpc>
+              <a:spcBef>
+                <a:spcPts val="1200"/>
+              </a:spcBef>
+              <a:spcAft>
+                <a:spcPts val="0"/>
+              </a:spcAft>
+              <a:buClr>
+                <a:schemeClr val="accent5"/>
+              </a:buClr>
+              <a:buSzPts val="1400"/>
+              <a:buFont typeface="Courier New"/>
+              <a:buChar char="➔"/>
+            </a:pPr>
+            <a:r>
+              <a:rPr b="1" i="1" lang="en-GB" sz="1500" u="none" cap="none" strike="noStrike">
+                <a:solidFill>
+                  <a:schemeClr val="accent5"/>
+                </a:solidFill>
+                <a:latin typeface="Courier New"/>
+                <a:ea typeface="Courier New"/>
+                <a:cs typeface="Courier New"/>
+                <a:sym typeface="Courier New"/>
+              </a:rPr>
+              <a:t>Significance of the Project</a:t>
+            </a:r>
+            <a:br>
+              <a:rPr b="1" i="1" lang="en-GB" sz="1500" u="none" cap="none" strike="noStrike">
+                <a:solidFill>
+                  <a:schemeClr val="accent5"/>
+                </a:solidFill>
+                <a:latin typeface="Courier New"/>
+                <a:ea typeface="Courier New"/>
+                <a:cs typeface="Courier New"/>
+                <a:sym typeface="Courier New"/>
+              </a:rPr>
+            </a:br>
+            <a:r>
+              <a:rPr b="1" i="0" lang="en-GB" sz="1400" u="none" cap="none" strike="noStrike">
+                <a:solidFill>
+                  <a:schemeClr val="accent6"/>
+                </a:solidFill>
+                <a:latin typeface="Courier New"/>
+                <a:ea typeface="Courier New"/>
+                <a:cs typeface="Courier New"/>
+                <a:sym typeface="Courier New"/>
+              </a:rPr>
+              <a:t>Developed a robust system for early detection of mental health disorders through social media analysis.</a:t>
+            </a:r>
+            <a:endParaRPr b="1" i="0" sz="1400" u="none" cap="none" strike="noStrike">
+              <a:solidFill>
+                <a:schemeClr val="accent6"/>
+              </a:solidFill>
+              <a:latin typeface="Courier New"/>
+              <a:ea typeface="Courier New"/>
+              <a:cs typeface="Courier New"/>
+              <a:sym typeface="Courier New"/>
+            </a:endParaRPr>
+          </a:p>
+          <a:p>
+            <a:pPr indent="-317500" lvl="0" marL="457200" marR="0" rtl="0" algn="l">
+              <a:lnSpc>
+                <a:spcPct val="100000"/>
+              </a:lnSpc>
+              <a:spcBef>
+                <a:spcPts val="0"/>
+              </a:spcBef>
+              <a:spcAft>
+                <a:spcPts val="0"/>
+              </a:spcAft>
+              <a:buClr>
+                <a:schemeClr val="accent5"/>
+              </a:buClr>
+              <a:buSzPts val="1400"/>
+              <a:buFont typeface="Courier New"/>
+              <a:buChar char="➔"/>
+            </a:pPr>
+            <a:r>
+              <a:rPr b="1" i="1" lang="en-GB" sz="1500" u="none" cap="none" strike="noStrike">
+                <a:solidFill>
+                  <a:schemeClr val="accent5"/>
+                </a:solidFill>
+                <a:latin typeface="Courier New"/>
+                <a:ea typeface="Courier New"/>
+                <a:cs typeface="Courier New"/>
+                <a:sym typeface="Courier New"/>
+              </a:rPr>
+              <a:t>Effective Use of Machine Learning</a:t>
+            </a:r>
+            <a:br>
+              <a:rPr b="1" i="1" lang="en-GB" sz="1500" u="none" cap="none" strike="noStrike">
+                <a:solidFill>
+                  <a:schemeClr val="accent5"/>
+                </a:solidFill>
+                <a:latin typeface="Courier New"/>
+                <a:ea typeface="Courier New"/>
+                <a:cs typeface="Courier New"/>
+                <a:sym typeface="Courier New"/>
+              </a:rPr>
+            </a:br>
+            <a:r>
+              <a:rPr b="1" i="0" lang="en-GB" sz="1400" u="none" cap="none" strike="noStrike">
+                <a:solidFill>
+                  <a:schemeClr val="accent6"/>
+                </a:solidFill>
+                <a:latin typeface="Courier New"/>
+                <a:ea typeface="Courier New"/>
+                <a:cs typeface="Courier New"/>
+                <a:sym typeface="Courier New"/>
+              </a:rPr>
+              <a:t>Leveraged various machine learning models, identifying SVM as the most accurate for sentiment classification.</a:t>
+            </a:r>
+            <a:endParaRPr b="1" i="0" sz="1400" u="none" cap="none" strike="noStrike">
+              <a:solidFill>
+                <a:schemeClr val="accent6"/>
+              </a:solidFill>
+              <a:latin typeface="Courier New"/>
+              <a:ea typeface="Courier New"/>
+              <a:cs typeface="Courier New"/>
+              <a:sym typeface="Courier New"/>
+            </a:endParaRPr>
+          </a:p>
+          <a:p>
+            <a:pPr indent="-317500" lvl="0" marL="457200" marR="0" rtl="0" algn="l">
+              <a:lnSpc>
+                <a:spcPct val="100000"/>
+              </a:lnSpc>
+              <a:spcBef>
+                <a:spcPts val="0"/>
+              </a:spcBef>
+              <a:spcAft>
+                <a:spcPts val="0"/>
+              </a:spcAft>
+              <a:buClr>
+                <a:schemeClr val="accent5"/>
+              </a:buClr>
+              <a:buSzPts val="1400"/>
+              <a:buFont typeface="Courier New"/>
+              <a:buChar char="➔"/>
+            </a:pPr>
+            <a:r>
+              <a:rPr b="1" i="1" lang="en-GB" sz="1500" u="none" cap="none" strike="noStrike">
+                <a:solidFill>
+                  <a:schemeClr val="accent5"/>
+                </a:solidFill>
+                <a:latin typeface="Courier New"/>
+                <a:ea typeface="Courier New"/>
+                <a:cs typeface="Courier New"/>
+                <a:sym typeface="Courier New"/>
+              </a:rPr>
+              <a:t>Impact on Mental Health Awareness</a:t>
+            </a:r>
+            <a:br>
+              <a:rPr b="1" i="0" lang="en-GB" sz="1400" u="none" cap="none" strike="noStrike">
+                <a:solidFill>
+                  <a:schemeClr val="accent6"/>
+                </a:solidFill>
+                <a:latin typeface="Courier New"/>
+                <a:ea typeface="Courier New"/>
+                <a:cs typeface="Courier New"/>
+                <a:sym typeface="Courier New"/>
+              </a:rPr>
+            </a:br>
+            <a:r>
+              <a:rPr b="1" i="0" lang="en-GB" sz="1400" u="none" cap="none" strike="noStrike">
+                <a:solidFill>
+                  <a:schemeClr val="accent6"/>
+                </a:solidFill>
+                <a:latin typeface="Courier New"/>
+                <a:ea typeface="Courier New"/>
+                <a:cs typeface="Courier New"/>
+                <a:sym typeface="Courier New"/>
+              </a:rPr>
+              <a:t>Provides valuable insights for mental health professionals and public health organizations, enabling proactive interventions.</a:t>
+            </a:r>
+            <a:endParaRPr b="1" i="0" sz="1400" u="none" cap="none" strike="noStrike">
+              <a:solidFill>
+                <a:schemeClr val="accent6"/>
+              </a:solidFill>
+              <a:latin typeface="Courier New"/>
+              <a:ea typeface="Courier New"/>
+              <a:cs typeface="Courier New"/>
+              <a:sym typeface="Courier New"/>
+            </a:endParaRPr>
+          </a:p>
+          <a:p>
+            <a:pPr indent="-317500" lvl="0" marL="457200" marR="0" rtl="0" algn="l">
+              <a:lnSpc>
+                <a:spcPct val="100000"/>
+              </a:lnSpc>
+              <a:spcBef>
+                <a:spcPts val="0"/>
+              </a:spcBef>
+              <a:spcAft>
+                <a:spcPts val="0"/>
+              </a:spcAft>
+              <a:buClr>
+                <a:schemeClr val="accent5"/>
+              </a:buClr>
+              <a:buSzPts val="1400"/>
+              <a:buFont typeface="Courier New"/>
+              <a:buChar char="➔"/>
+            </a:pPr>
+            <a:r>
+              <a:rPr b="1" i="1" lang="en-GB" sz="1500" u="none" cap="none" strike="noStrike">
+                <a:solidFill>
+                  <a:schemeClr val="accent5"/>
+                </a:solidFill>
+                <a:latin typeface="Courier New"/>
+                <a:ea typeface="Courier New"/>
+                <a:cs typeface="Courier New"/>
+                <a:sym typeface="Courier New"/>
+              </a:rPr>
+              <a:t>Potential for Future Development</a:t>
+            </a:r>
+            <a:br>
+              <a:rPr b="1" i="1" lang="en-GB" sz="1500" u="none" cap="none" strike="noStrike">
+                <a:solidFill>
+                  <a:schemeClr val="accent5"/>
+                </a:solidFill>
+                <a:latin typeface="Courier New"/>
+                <a:ea typeface="Courier New"/>
+                <a:cs typeface="Courier New"/>
+                <a:sym typeface="Courier New"/>
+              </a:rPr>
+            </a:br>
+            <a:r>
+              <a:rPr b="1" i="0" lang="en-GB" sz="1400" u="none" cap="none" strike="noStrike">
+                <a:solidFill>
+                  <a:schemeClr val="accent6"/>
+                </a:solidFill>
+                <a:latin typeface="Courier New"/>
+                <a:ea typeface="Courier New"/>
+                <a:cs typeface="Courier New"/>
+                <a:sym typeface="Courier New"/>
+              </a:rPr>
+              <a:t>Future enhancements with deep learning and multimodal data can lead to even better accuracy and insights.</a:t>
+            </a:r>
+            <a:endParaRPr b="1" i="0" sz="1400" u="none" cap="none" strike="noStrike">
+              <a:solidFill>
+                <a:schemeClr val="accent6"/>
+              </a:solidFill>
+              <a:latin typeface="Courier New"/>
+              <a:ea typeface="Courier New"/>
+              <a:cs typeface="Courier New"/>
+              <a:sym typeface="Courier New"/>
+            </a:endParaRPr>
+          </a:p>
+          <a:p>
+            <a:pPr indent="-317500" lvl="0" marL="457200" marR="0" rtl="0" algn="l">
+              <a:lnSpc>
+                <a:spcPct val="100000"/>
+              </a:lnSpc>
+              <a:spcBef>
+                <a:spcPts val="0"/>
+              </a:spcBef>
+              <a:spcAft>
+                <a:spcPts val="0"/>
+              </a:spcAft>
+              <a:buClr>
+                <a:schemeClr val="accent5"/>
+              </a:buClr>
+              <a:buSzPts val="1400"/>
+              <a:buFont typeface="Courier New"/>
+              <a:buChar char="➔"/>
+            </a:pPr>
+            <a:r>
+              <a:rPr b="1" i="1" lang="en-GB" sz="1500" u="none" cap="none" strike="noStrike">
+                <a:solidFill>
+                  <a:schemeClr val="accent5"/>
+                </a:solidFill>
+                <a:latin typeface="Courier New"/>
+                <a:ea typeface="Courier New"/>
+                <a:cs typeface="Courier New"/>
+                <a:sym typeface="Courier New"/>
+              </a:rPr>
+              <a:t>Commitment to Ethical Practices</a:t>
+            </a:r>
+            <a:br>
+              <a:rPr b="1" i="0" lang="en-GB" sz="1400" u="none" cap="none" strike="noStrike">
+                <a:solidFill>
+                  <a:schemeClr val="accent6"/>
+                </a:solidFill>
+                <a:latin typeface="Courier New"/>
+                <a:ea typeface="Courier New"/>
+                <a:cs typeface="Courier New"/>
+                <a:sym typeface="Courier New"/>
+              </a:rPr>
+            </a:br>
+            <a:r>
+              <a:rPr b="1" i="0" lang="en-GB" sz="1400" u="none" cap="none" strike="noStrike">
+                <a:solidFill>
+                  <a:schemeClr val="accent6"/>
+                </a:solidFill>
+                <a:latin typeface="Courier New"/>
+                <a:ea typeface="Courier New"/>
+                <a:cs typeface="Courier New"/>
+                <a:sym typeface="Courier New"/>
+              </a:rPr>
+              <a:t>Emphasizes the importance of user privacy and ethical considerations in handling sensitive mental health data.</a:t>
+            </a:r>
+            <a:endParaRPr b="1" i="0" sz="1400" u="none" cap="none" strike="noStrike">
+              <a:solidFill>
+                <a:schemeClr val="accent6"/>
+              </a:solidFill>
+              <a:latin typeface="Courier New"/>
+              <a:ea typeface="Courier New"/>
+              <a:cs typeface="Courier New"/>
+              <a:sym typeface="Courier New"/>
+            </a:endParaRPr>
+          </a:p>
+        </p:txBody>
+      </p:sp>
+      <p:sp>
+        <p:nvSpPr>
+          <p:cNvPr id="224" name="Google Shape;224;p20"/>
           <p:cNvSpPr txBox="1"/>
           <p:nvPr/>
         </p:nvSpPr>
@@ -17837,7 +17769,7 @@
   <p:cSld>
     <p:spTree>
       <p:nvGrpSpPr>
-        <p:cNvPr id="230" name="Shape 230"/>
+        <p:cNvPr id="228" name="Shape 228"/>
         <p:cNvGrpSpPr/>
         <p:nvPr/>
       </p:nvGrpSpPr>
@@ -17851,7 +17783,7 @@
       </p:grpSpPr>
       <p:sp>
         <p:nvSpPr>
-          <p:cNvPr id="231" name="Google Shape;231;p20"/>
+          <p:cNvPr id="229" name="Google Shape;229;p21"/>
           <p:cNvSpPr txBox="1"/>
           <p:nvPr>
             <p:ph type="title"/>
@@ -17895,7 +17827,7 @@
                   <a:schemeClr val="accent5"/>
                 </a:solidFill>
               </a:rPr>
-              <a:t>CONCLUSION</a:t>
+              <a:t>REFERENCES</a:t>
             </a:r>
             <a:endParaRPr b="1" sz="2900">
               <a:solidFill>
@@ -17907,14 +17839,14 @@
       </p:sp>
       <p:sp>
         <p:nvSpPr>
-          <p:cNvPr id="232" name="Google Shape;232;p20"/>
+          <p:cNvPr id="230" name="Google Shape;230;p21"/>
           <p:cNvSpPr txBox="1"/>
           <p:nvPr/>
         </p:nvSpPr>
         <p:spPr>
           <a:xfrm>
-            <a:off x="408750" y="717850"/>
-            <a:ext cx="8326500" cy="4089900"/>
+            <a:off x="364025" y="717850"/>
+            <a:ext cx="8520600" cy="4136700"/>
           </a:xfrm>
           <a:prstGeom prst="rect">
             <a:avLst/>
@@ -17935,7 +17867,7 @@
                 <a:spcPct val="100000"/>
               </a:lnSpc>
               <a:spcBef>
-                <a:spcPts val="1200"/>
+                <a:spcPts val="0"/>
               </a:spcBef>
               <a:spcAft>
                 <a:spcPts val="0"/>
@@ -17945,10 +17877,10 @@
               </a:buClr>
               <a:buSzPts val="1400"/>
               <a:buFont typeface="Courier New"/>
-              <a:buChar char="➔"/>
+              <a:buAutoNum type="arabicPeriod"/>
             </a:pPr>
             <a:r>
-              <a:rPr b="1" i="1" lang="en-GB" sz="1500" u="none" cap="none" strike="noStrike">
+              <a:rPr b="1" i="1" lang="en-GB" sz="1400" u="none" cap="none" strike="noStrike">
                 <a:solidFill>
                   <a:schemeClr val="accent5"/>
                 </a:solidFill>
@@ -17957,19 +17889,8 @@
                 <a:cs typeface="Courier New"/>
                 <a:sym typeface="Courier New"/>
               </a:rPr>
-              <a:t>Significance of the Project</a:t>
-            </a:r>
-            <a:br>
-              <a:rPr b="1" i="1" lang="en-GB" sz="1500" u="none" cap="none" strike="noStrike">
-                <a:solidFill>
-                  <a:schemeClr val="accent5"/>
-                </a:solidFill>
-                <a:latin typeface="Courier New"/>
-                <a:ea typeface="Courier New"/>
-                <a:cs typeface="Courier New"/>
-                <a:sym typeface="Courier New"/>
-              </a:rPr>
-            </a:br>
+              <a:t>Choudhury, M. D., De, S., &amp; Counts, S. (2013)</a:t>
+            </a:r>
             <a:r>
               <a:rPr b="1" i="0" lang="en-GB" sz="1400" u="none" cap="none" strike="noStrike">
                 <a:solidFill>
@@ -17980,7 +17901,31 @@
                 <a:cs typeface="Courier New"/>
                 <a:sym typeface="Courier New"/>
               </a:rPr>
-              <a:t>Developed a robust system for early detection of mental health disorders through social media analysis.</a:t>
+              <a:t>. Predicting Depression via Social Media. </a:t>
+            </a:r>
+            <a:r>
+              <a:rPr b="1" i="1" lang="en-GB" sz="1400" u="none" cap="none" strike="noStrike">
+                <a:solidFill>
+                  <a:schemeClr val="accent6"/>
+                </a:solidFill>
+                <a:latin typeface="Courier New"/>
+                <a:ea typeface="Courier New"/>
+                <a:cs typeface="Courier New"/>
+                <a:sym typeface="Courier New"/>
+              </a:rPr>
+              <a:t>Proceedings of the 7th International Conference on Weblogs and Social Media</a:t>
+            </a:r>
+            <a:r>
+              <a:rPr b="1" i="0" lang="en-GB" sz="1400" u="none" cap="none" strike="noStrike">
+                <a:solidFill>
+                  <a:schemeClr val="accent6"/>
+                </a:solidFill>
+                <a:latin typeface="Courier New"/>
+                <a:ea typeface="Courier New"/>
+                <a:cs typeface="Courier New"/>
+                <a:sym typeface="Courier New"/>
+              </a:rPr>
+              <a:t>.</a:t>
             </a:r>
             <a:endParaRPr b="1" i="0" sz="1400" u="none" cap="none" strike="noStrike">
               <a:solidFill>
@@ -18008,10 +17953,10 @@
               </a:buClr>
               <a:buSzPts val="1400"/>
               <a:buFont typeface="Courier New"/>
-              <a:buChar char="➔"/>
+              <a:buAutoNum type="arabicPeriod"/>
             </a:pPr>
             <a:r>
-              <a:rPr b="1" i="1" lang="en-GB" sz="1500" u="none" cap="none" strike="noStrike">
+              <a:rPr b="1" i="1" lang="en-GB" sz="1400" u="none" cap="none" strike="noStrike">
                 <a:solidFill>
                   <a:schemeClr val="accent5"/>
                 </a:solidFill>
@@ -18020,19 +17965,8 @@
                 <a:cs typeface="Courier New"/>
                 <a:sym typeface="Courier New"/>
               </a:rPr>
-              <a:t>Effective Use of Machine Learning</a:t>
-            </a:r>
-            <a:br>
-              <a:rPr b="1" i="1" lang="en-GB" sz="1500" u="none" cap="none" strike="noStrike">
-                <a:solidFill>
-                  <a:schemeClr val="accent5"/>
-                </a:solidFill>
-                <a:latin typeface="Courier New"/>
-                <a:ea typeface="Courier New"/>
-                <a:cs typeface="Courier New"/>
-                <a:sym typeface="Courier New"/>
-              </a:rPr>
-            </a:br>
+              <a:t>Guntuku, S. C., Bollen, J., &amp; Lazer, D. (2017). Detecting Mental Illness in Social Media</a:t>
+            </a:r>
             <a:r>
               <a:rPr b="1" i="0" lang="en-GB" sz="1400" u="none" cap="none" strike="noStrike">
                 <a:solidFill>
@@ -18043,7 +17977,31 @@
                 <a:cs typeface="Courier New"/>
                 <a:sym typeface="Courier New"/>
               </a:rPr>
-              <a:t>Leveraged various machine learning models, identifying SVM as the most accurate for sentiment classification.</a:t>
+              <a:t>. </a:t>
+            </a:r>
+            <a:r>
+              <a:rPr b="1" i="1" lang="en-GB" sz="1400" u="none" cap="none" strike="noStrike">
+                <a:solidFill>
+                  <a:schemeClr val="accent6"/>
+                </a:solidFill>
+                <a:latin typeface="Courier New"/>
+                <a:ea typeface="Courier New"/>
+                <a:cs typeface="Courier New"/>
+                <a:sym typeface="Courier New"/>
+              </a:rPr>
+              <a:t>American Journal of Public Health</a:t>
+            </a:r>
+            <a:r>
+              <a:rPr b="1" i="0" lang="en-GB" sz="1400" u="none" cap="none" strike="noStrike">
+                <a:solidFill>
+                  <a:schemeClr val="accent6"/>
+                </a:solidFill>
+                <a:latin typeface="Courier New"/>
+                <a:ea typeface="Courier New"/>
+                <a:cs typeface="Courier New"/>
+                <a:sym typeface="Courier New"/>
+              </a:rPr>
+              <a:t>, 107(8), 1279-1285.</a:t>
             </a:r>
             <a:endParaRPr b="1" i="0" sz="1400" u="none" cap="none" strike="noStrike">
               <a:solidFill>
@@ -18071,10 +18029,10 @@
               </a:buClr>
               <a:buSzPts val="1400"/>
               <a:buFont typeface="Courier New"/>
-              <a:buChar char="➔"/>
+              <a:buAutoNum type="arabicPeriod"/>
             </a:pPr>
             <a:r>
-              <a:rPr b="1" i="1" lang="en-GB" sz="1500" u="none" cap="none" strike="noStrike">
+              <a:rPr b="1" i="1" lang="en-GB" sz="1400" u="none" cap="none" strike="noStrike">
                 <a:solidFill>
                   <a:schemeClr val="accent5"/>
                 </a:solidFill>
@@ -18083,9 +18041,9 @@
                 <a:cs typeface="Courier New"/>
                 <a:sym typeface="Courier New"/>
               </a:rPr>
-              <a:t>Impact on Mental Health Awareness</a:t>
-            </a:r>
-            <a:br>
+              <a:t>Mathur, P., Kharat, M., &amp; Patil, S. (2022). Machine Learning Approaches for Mental Health Detection on Social Media</a:t>
+            </a:r>
+            <a:r>
               <a:rPr b="1" i="0" lang="en-GB" sz="1400" u="none" cap="none" strike="noStrike">
                 <a:solidFill>
                   <a:schemeClr val="accent6"/>
@@ -18095,7 +18053,20 @@
                 <a:cs typeface="Courier New"/>
                 <a:sym typeface="Courier New"/>
               </a:rPr>
-            </a:br>
+              <a:t>: A Systematic Review. </a:t>
+            </a:r>
+            <a:r>
+              <a:rPr b="1" i="1" lang="en-GB" sz="1400" u="none" cap="none" strike="noStrike">
+                <a:solidFill>
+                  <a:schemeClr val="accent6"/>
+                </a:solidFill>
+                <a:latin typeface="Courier New"/>
+                <a:ea typeface="Courier New"/>
+                <a:cs typeface="Courier New"/>
+                <a:sym typeface="Courier New"/>
+              </a:rPr>
+              <a:t>IEEE Access</a:t>
+            </a:r>
             <a:r>
               <a:rPr b="1" i="0" lang="en-GB" sz="1400" u="none" cap="none" strike="noStrike">
                 <a:solidFill>
@@ -18106,7 +18077,7 @@
                 <a:cs typeface="Courier New"/>
                 <a:sym typeface="Courier New"/>
               </a:rPr>
-              <a:t>Provides valuable insights for mental health professionals and public health organizations, enabling proactive interventions.</a:t>
+              <a:t>, 10, 14376-14388.</a:t>
             </a:r>
             <a:endParaRPr b="1" i="0" sz="1400" u="none" cap="none" strike="noStrike">
               <a:solidFill>
@@ -18134,10 +18105,10 @@
               </a:buClr>
               <a:buSzPts val="1400"/>
               <a:buFont typeface="Courier New"/>
-              <a:buChar char="➔"/>
+              <a:buAutoNum type="arabicPeriod"/>
             </a:pPr>
             <a:r>
-              <a:rPr b="1" i="1" lang="en-GB" sz="1500" u="none" cap="none" strike="noStrike">
+              <a:rPr b="1" i="1" lang="en-GB" sz="1400" u="none" cap="none" strike="noStrike">
                 <a:solidFill>
                   <a:schemeClr val="accent5"/>
                 </a:solidFill>
@@ -18146,19 +18117,8 @@
                 <a:cs typeface="Courier New"/>
                 <a:sym typeface="Courier New"/>
               </a:rPr>
-              <a:t>Potential for Future Development</a:t>
-            </a:r>
-            <a:br>
-              <a:rPr b="1" i="1" lang="en-GB" sz="1500" u="none" cap="none" strike="noStrike">
-                <a:solidFill>
-                  <a:schemeClr val="accent5"/>
-                </a:solidFill>
-                <a:latin typeface="Courier New"/>
-                <a:ea typeface="Courier New"/>
-                <a:cs typeface="Courier New"/>
-                <a:sym typeface="Courier New"/>
-              </a:rPr>
-            </a:br>
+              <a:t>Nadeem, A. (2016). A Study of Depression Identification on Twitter.</a:t>
+            </a:r>
             <a:r>
               <a:rPr b="1" i="0" lang="en-GB" sz="1400" u="none" cap="none" strike="noStrike">
                 <a:solidFill>
@@ -18169,7 +18129,31 @@
                 <a:cs typeface="Courier New"/>
                 <a:sym typeface="Courier New"/>
               </a:rPr>
-              <a:t>Future enhancements with deep learning and multimodal data can lead to even better accuracy and insights.</a:t>
+              <a:t> </a:t>
+            </a:r>
+            <a:r>
+              <a:rPr b="1" i="1" lang="en-GB" sz="1400" u="none" cap="none" strike="noStrike">
+                <a:solidFill>
+                  <a:schemeClr val="accent6"/>
+                </a:solidFill>
+                <a:latin typeface="Courier New"/>
+                <a:ea typeface="Courier New"/>
+                <a:cs typeface="Courier New"/>
+                <a:sym typeface="Courier New"/>
+              </a:rPr>
+              <a:t>International Journal of Computer Applications</a:t>
+            </a:r>
+            <a:r>
+              <a:rPr b="1" i="0" lang="en-GB" sz="1400" u="none" cap="none" strike="noStrike">
+                <a:solidFill>
+                  <a:schemeClr val="accent6"/>
+                </a:solidFill>
+                <a:latin typeface="Courier New"/>
+                <a:ea typeface="Courier New"/>
+                <a:cs typeface="Courier New"/>
+                <a:sym typeface="Courier New"/>
+              </a:rPr>
+              <a:t>, 141(10), 24-28.</a:t>
             </a:r>
             <a:endParaRPr b="1" i="0" sz="1400" u="none" cap="none" strike="noStrike">
               <a:solidFill>
@@ -18197,10 +18181,10 @@
               </a:buClr>
               <a:buSzPts val="1400"/>
               <a:buFont typeface="Courier New"/>
-              <a:buChar char="➔"/>
+              <a:buAutoNum type="arabicPeriod"/>
             </a:pPr>
             <a:r>
-              <a:rPr b="1" i="1" lang="en-GB" sz="1500" u="none" cap="none" strike="noStrike">
+              <a:rPr b="1" i="1" lang="en-GB" sz="1400" u="none" cap="none" strike="noStrike">
                 <a:solidFill>
                   <a:schemeClr val="accent5"/>
                 </a:solidFill>
@@ -18209,9 +18193,9 @@
                 <a:cs typeface="Courier New"/>
                 <a:sym typeface="Courier New"/>
               </a:rPr>
-              <a:t>Commitment to Ethical Practices</a:t>
-            </a:r>
-            <a:br>
+              <a:t>AlSagri, A., &amp; Ykhlef, M. (2020). A Machine Learning-based Approach for Depression Detection in Social Media.</a:t>
+            </a:r>
+            <a:r>
               <a:rPr b="1" i="0" lang="en-GB" sz="1400" u="none" cap="none" strike="noStrike">
                 <a:solidFill>
                   <a:schemeClr val="accent6"/>
@@ -18221,7 +18205,20 @@
                 <a:cs typeface="Courier New"/>
                 <a:sym typeface="Courier New"/>
               </a:rPr>
-            </a:br>
+              <a:t> </a:t>
+            </a:r>
+            <a:r>
+              <a:rPr b="1" i="1" lang="en-GB" sz="1400" u="none" cap="none" strike="noStrike">
+                <a:solidFill>
+                  <a:schemeClr val="accent6"/>
+                </a:solidFill>
+                <a:latin typeface="Courier New"/>
+                <a:ea typeface="Courier New"/>
+                <a:cs typeface="Courier New"/>
+                <a:sym typeface="Courier New"/>
+              </a:rPr>
+              <a:t>Journal of King Saud University - Computer and Information Sciences</a:t>
+            </a:r>
             <a:r>
               <a:rPr b="1" i="0" lang="en-GB" sz="1400" u="none" cap="none" strike="noStrike">
                 <a:solidFill>
@@ -18232,7 +18229,190 @@
                 <a:cs typeface="Courier New"/>
                 <a:sym typeface="Courier New"/>
               </a:rPr>
-              <a:t>Emphasizes the importance of user privacy and ethical considerations in handling sensitive mental health data.</a:t>
+              <a:t>, 32(1), 60-66.</a:t>
+            </a:r>
+            <a:endParaRPr b="1" i="0" sz="1400" u="none" cap="none" strike="noStrike">
+              <a:solidFill>
+                <a:schemeClr val="accent6"/>
+              </a:solidFill>
+              <a:latin typeface="Courier New"/>
+              <a:ea typeface="Courier New"/>
+              <a:cs typeface="Courier New"/>
+              <a:sym typeface="Courier New"/>
+            </a:endParaRPr>
+          </a:p>
+          <a:p>
+            <a:pPr indent="-317500" lvl="0" marL="457200" marR="0" rtl="0" algn="l">
+              <a:lnSpc>
+                <a:spcPct val="100000"/>
+              </a:lnSpc>
+              <a:spcBef>
+                <a:spcPts val="0"/>
+              </a:spcBef>
+              <a:spcAft>
+                <a:spcPts val="0"/>
+              </a:spcAft>
+              <a:buClr>
+                <a:schemeClr val="accent5"/>
+              </a:buClr>
+              <a:buSzPts val="1400"/>
+              <a:buFont typeface="Courier New"/>
+              <a:buAutoNum type="arabicPeriod"/>
+            </a:pPr>
+            <a:r>
+              <a:rPr b="1" i="1" lang="en-GB" sz="1400" u="none" cap="none" strike="noStrike">
+                <a:solidFill>
+                  <a:schemeClr val="accent5"/>
+                </a:solidFill>
+                <a:latin typeface="Courier New"/>
+                <a:ea typeface="Courier New"/>
+                <a:cs typeface="Courier New"/>
+                <a:sym typeface="Courier New"/>
+              </a:rPr>
+              <a:t>Vaishnavi, A., Rani, A., &amp; Narayan, M. (2022). Application of Machine Learning Algorithms for Mental Health Prediction.</a:t>
+            </a:r>
+            <a:r>
+              <a:rPr b="1" i="0" lang="en-GB" sz="1400" u="none" cap="none" strike="noStrike">
+                <a:solidFill>
+                  <a:schemeClr val="accent6"/>
+                </a:solidFill>
+                <a:latin typeface="Courier New"/>
+                <a:ea typeface="Courier New"/>
+                <a:cs typeface="Courier New"/>
+                <a:sym typeface="Courier New"/>
+              </a:rPr>
+              <a:t> </a:t>
+            </a:r>
+            <a:r>
+              <a:rPr b="1" i="1" lang="en-GB" sz="1400" u="none" cap="none" strike="noStrike">
+                <a:solidFill>
+                  <a:schemeClr val="accent6"/>
+                </a:solidFill>
+                <a:latin typeface="Courier New"/>
+                <a:ea typeface="Courier New"/>
+                <a:cs typeface="Courier New"/>
+                <a:sym typeface="Courier New"/>
+              </a:rPr>
+              <a:t>International Journal of Data Science and Analytics</a:t>
+            </a:r>
+            <a:r>
+              <a:rPr b="1" i="0" lang="en-GB" sz="1400" u="none" cap="none" strike="noStrike">
+                <a:solidFill>
+                  <a:schemeClr val="accent6"/>
+                </a:solidFill>
+                <a:latin typeface="Courier New"/>
+                <a:ea typeface="Courier New"/>
+                <a:cs typeface="Courier New"/>
+                <a:sym typeface="Courier New"/>
+              </a:rPr>
+              <a:t>, 12(2), 175-192.</a:t>
+            </a:r>
+            <a:endParaRPr b="1" i="0" sz="1400" u="none" cap="none" strike="noStrike">
+              <a:solidFill>
+                <a:schemeClr val="accent6"/>
+              </a:solidFill>
+              <a:latin typeface="Courier New"/>
+              <a:ea typeface="Courier New"/>
+              <a:cs typeface="Courier New"/>
+              <a:sym typeface="Courier New"/>
+            </a:endParaRPr>
+          </a:p>
+          <a:p>
+            <a:pPr indent="-317500" lvl="0" marL="457200" marR="0" rtl="0" algn="l">
+              <a:lnSpc>
+                <a:spcPct val="100000"/>
+              </a:lnSpc>
+              <a:spcBef>
+                <a:spcPts val="0"/>
+              </a:spcBef>
+              <a:spcAft>
+                <a:spcPts val="0"/>
+              </a:spcAft>
+              <a:buClr>
+                <a:schemeClr val="accent5"/>
+              </a:buClr>
+              <a:buSzPts val="1400"/>
+              <a:buFont typeface="Courier New"/>
+              <a:buAutoNum type="arabicPeriod"/>
+            </a:pPr>
+            <a:r>
+              <a:rPr b="1" i="1" lang="en-GB" sz="1400" u="none" cap="none" strike="noStrike">
+                <a:solidFill>
+                  <a:schemeClr val="accent5"/>
+                </a:solidFill>
+                <a:latin typeface="Courier New"/>
+                <a:ea typeface="Courier New"/>
+                <a:cs typeface="Courier New"/>
+                <a:sym typeface="Courier New"/>
+              </a:rPr>
+              <a:t>Safa, M., Alshahrani, S., &amp; Abunadi, M. (2023). Ethical Considerations in Predicting Mental Health from Social Media</a:t>
+            </a:r>
+            <a:r>
+              <a:rPr b="1" i="0" lang="en-GB" sz="1400" u="none" cap="none" strike="noStrike">
+                <a:solidFill>
+                  <a:schemeClr val="accent6"/>
+                </a:solidFill>
+                <a:latin typeface="Courier New"/>
+                <a:ea typeface="Courier New"/>
+                <a:cs typeface="Courier New"/>
+                <a:sym typeface="Courier New"/>
+              </a:rPr>
+              <a:t>: A Roadmap for Future Research. </a:t>
+            </a:r>
+            <a:r>
+              <a:rPr b="1" i="1" lang="en-GB" sz="1400" u="none" cap="none" strike="noStrike">
+                <a:solidFill>
+                  <a:schemeClr val="accent6"/>
+                </a:solidFill>
+                <a:latin typeface="Courier New"/>
+                <a:ea typeface="Courier New"/>
+                <a:cs typeface="Courier New"/>
+                <a:sym typeface="Courier New"/>
+              </a:rPr>
+              <a:t>Ethics and Information Technology</a:t>
+            </a:r>
+            <a:r>
+              <a:rPr b="1" i="0" lang="en-GB" sz="1400" u="none" cap="none" strike="noStrike">
+                <a:solidFill>
+                  <a:schemeClr val="accent6"/>
+                </a:solidFill>
+                <a:latin typeface="Courier New"/>
+                <a:ea typeface="Courier New"/>
+                <a:cs typeface="Courier New"/>
+                <a:sym typeface="Courier New"/>
+              </a:rPr>
+              <a:t>, 25(1), 15-29.</a:t>
+            </a:r>
+            <a:endParaRPr b="1" i="0" sz="1400" u="none" cap="none" strike="noStrike">
+              <a:solidFill>
+                <a:schemeClr val="accent6"/>
+              </a:solidFill>
+              <a:latin typeface="Courier New"/>
+              <a:ea typeface="Courier New"/>
+              <a:cs typeface="Courier New"/>
+              <a:sym typeface="Courier New"/>
+            </a:endParaRPr>
+          </a:p>
+          <a:p>
+            <a:pPr indent="0" lvl="0" marL="457200" marR="0" rtl="0" algn="l">
+              <a:lnSpc>
+                <a:spcPct val="100000"/>
+              </a:lnSpc>
+              <a:spcBef>
+                <a:spcPts val="0"/>
+              </a:spcBef>
+              <a:spcAft>
+                <a:spcPts val="0"/>
+              </a:spcAft>
+              <a:buClr>
+                <a:srgbClr val="000000"/>
+              </a:buClr>
+              <a:buSzPts val="1400"/>
+              <a:buFont typeface="Arial"/>
+              <a:buNone/>
+            </a:pPr>
+            <a:r>
+              <a:t/>
             </a:r>
             <a:endParaRPr b="1" i="0" sz="1400" u="none" cap="none" strike="noStrike">
               <a:solidFill>
@@ -18248,7 +18428,7 @@
       </p:sp>
       <p:sp>
         <p:nvSpPr>
-          <p:cNvPr id="233" name="Google Shape;233;p20"/>
+          <p:cNvPr id="231" name="Google Shape;231;p21"/>
           <p:cNvSpPr txBox="1"/>
           <p:nvPr/>
         </p:nvSpPr>
@@ -18325,7 +18505,7 @@
   <p:cSld>
     <p:spTree>
       <p:nvGrpSpPr>
-        <p:cNvPr id="237" name="Shape 237"/>
+        <p:cNvPr id="235" name="Shape 235"/>
         <p:cNvGrpSpPr/>
         <p:nvPr/>
       </p:nvGrpSpPr>
@@ -18339,743 +18519,7 @@
       </p:grpSpPr>
       <p:sp>
         <p:nvSpPr>
-          <p:cNvPr id="238" name="Google Shape;238;p21"/>
-          <p:cNvSpPr txBox="1"/>
-          <p:nvPr>
-            <p:ph type="title"/>
-          </p:nvPr>
-        </p:nvSpPr>
-        <p:spPr>
-          <a:xfrm>
-            <a:off x="311700" y="145150"/>
-            <a:ext cx="8520600" cy="572700"/>
-          </a:xfrm>
-          <a:prstGeom prst="rect">
-            <a:avLst/>
-          </a:prstGeom>
-          <a:noFill/>
-          <a:ln>
-            <a:noFill/>
-          </a:ln>
-        </p:spPr>
-        <p:txBody>
-          <a:bodyPr anchorCtr="0" anchor="t" bIns="91425" lIns="91425" spcFirstLastPara="1" rIns="91425" wrap="square" tIns="91425">
-            <a:noAutofit/>
-          </a:bodyPr>
-          <a:lstStyle/>
-          <a:p>
-            <a:pPr indent="0" lvl="0" marL="0" rtl="0" algn="l">
-              <a:lnSpc>
-                <a:spcPct val="100000"/>
-              </a:lnSpc>
-              <a:spcBef>
-                <a:spcPts val="0"/>
-              </a:spcBef>
-              <a:spcAft>
-                <a:spcPts val="0"/>
-              </a:spcAft>
-              <a:buSzPts val="990"/>
-              <a:buNone/>
-            </a:pPr>
-            <a:r>
-              <a:rPr b="1" lang="en-GB" sz="2900">
-                <a:solidFill>
-                  <a:schemeClr val="accent5"/>
-                </a:solidFill>
-              </a:rPr>
-              <a:t>REFERENCES</a:t>
-            </a:r>
-            <a:endParaRPr b="1" sz="2900">
-              <a:solidFill>
-                <a:schemeClr val="accent5"/>
-              </a:solidFill>
-            </a:endParaRPr>
-          </a:p>
-        </p:txBody>
-      </p:sp>
-      <p:sp>
-        <p:nvSpPr>
-          <p:cNvPr id="239" name="Google Shape;239;p21"/>
-          <p:cNvSpPr txBox="1"/>
-          <p:nvPr/>
-        </p:nvSpPr>
-        <p:spPr>
-          <a:xfrm>
-            <a:off x="364025" y="717850"/>
-            <a:ext cx="8520600" cy="4136700"/>
-          </a:xfrm>
-          <a:prstGeom prst="rect">
-            <a:avLst/>
-          </a:prstGeom>
-          <a:noFill/>
-          <a:ln>
-            <a:noFill/>
-          </a:ln>
-        </p:spPr>
-        <p:txBody>
-          <a:bodyPr anchorCtr="0" anchor="t" bIns="91425" lIns="91425" spcFirstLastPara="1" rIns="91425" wrap="square" tIns="91425">
-            <a:noAutofit/>
-          </a:bodyPr>
-          <a:lstStyle/>
-          <a:p>
-            <a:pPr indent="-317500" lvl="0" marL="457200" marR="0" rtl="0" algn="l">
-              <a:lnSpc>
-                <a:spcPct val="100000"/>
-              </a:lnSpc>
-              <a:spcBef>
-                <a:spcPts val="0"/>
-              </a:spcBef>
-              <a:spcAft>
-                <a:spcPts val="0"/>
-              </a:spcAft>
-              <a:buClr>
-                <a:schemeClr val="accent5"/>
-              </a:buClr>
-              <a:buSzPts val="1400"/>
-              <a:buFont typeface="Courier New"/>
-              <a:buAutoNum type="arabicPeriod"/>
-            </a:pPr>
-            <a:r>
-              <a:rPr b="1" i="1" lang="en-GB" sz="1400" u="none" cap="none" strike="noStrike">
-                <a:solidFill>
-                  <a:schemeClr val="accent5"/>
-                </a:solidFill>
-                <a:latin typeface="Courier New"/>
-                <a:ea typeface="Courier New"/>
-                <a:cs typeface="Courier New"/>
-                <a:sym typeface="Courier New"/>
-              </a:rPr>
-              <a:t>Choudhury, M. D., De, S., &amp; Counts, S. (2013)</a:t>
-            </a:r>
-            <a:r>
-              <a:rPr b="1" i="0" lang="en-GB" sz="1400" u="none" cap="none" strike="noStrike">
-                <a:solidFill>
-                  <a:schemeClr val="accent6"/>
-                </a:solidFill>
-                <a:latin typeface="Courier New"/>
-                <a:ea typeface="Courier New"/>
-                <a:cs typeface="Courier New"/>
-                <a:sym typeface="Courier New"/>
-              </a:rPr>
-              <a:t>. Predicting Depression via Social Media. </a:t>
-            </a:r>
-            <a:r>
-              <a:rPr b="1" i="1" lang="en-GB" sz="1400" u="none" cap="none" strike="noStrike">
-                <a:solidFill>
-                  <a:schemeClr val="accent6"/>
-                </a:solidFill>
-                <a:latin typeface="Courier New"/>
-                <a:ea typeface="Courier New"/>
-                <a:cs typeface="Courier New"/>
-                <a:sym typeface="Courier New"/>
-              </a:rPr>
-              <a:t>Proceedings of the 7th International Conference on Weblogs and Social Media</a:t>
-            </a:r>
-            <a:r>
-              <a:rPr b="1" i="0" lang="en-GB" sz="1400" u="none" cap="none" strike="noStrike">
-                <a:solidFill>
-                  <a:schemeClr val="accent6"/>
-                </a:solidFill>
-                <a:latin typeface="Courier New"/>
-                <a:ea typeface="Courier New"/>
-                <a:cs typeface="Courier New"/>
-                <a:sym typeface="Courier New"/>
-              </a:rPr>
-              <a:t>.</a:t>
-            </a:r>
-            <a:endParaRPr b="1" i="0" sz="1400" u="none" cap="none" strike="noStrike">
-              <a:solidFill>
-                <a:schemeClr val="accent6"/>
-              </a:solidFill>
-              <a:latin typeface="Courier New"/>
-              <a:ea typeface="Courier New"/>
-              <a:cs typeface="Courier New"/>
-              <a:sym typeface="Courier New"/>
-            </a:endParaRPr>
-          </a:p>
-          <a:p>
-            <a:pPr indent="-317500" lvl="0" marL="457200" marR="0" rtl="0" algn="l">
-              <a:lnSpc>
-                <a:spcPct val="100000"/>
-              </a:lnSpc>
-              <a:spcBef>
-                <a:spcPts val="0"/>
-              </a:spcBef>
-              <a:spcAft>
-                <a:spcPts val="0"/>
-              </a:spcAft>
-              <a:buClr>
-                <a:schemeClr val="accent5"/>
-              </a:buClr>
-              <a:buSzPts val="1400"/>
-              <a:buFont typeface="Courier New"/>
-              <a:buAutoNum type="arabicPeriod"/>
-            </a:pPr>
-            <a:r>
-              <a:rPr b="1" i="1" lang="en-GB" sz="1400" u="none" cap="none" strike="noStrike">
-                <a:solidFill>
-                  <a:schemeClr val="accent5"/>
-                </a:solidFill>
-                <a:latin typeface="Courier New"/>
-                <a:ea typeface="Courier New"/>
-                <a:cs typeface="Courier New"/>
-                <a:sym typeface="Courier New"/>
-              </a:rPr>
-              <a:t>Guntuku, S. C., Bollen, J., &amp; Lazer, D. (2017). Detecting Mental Illness in Social Media</a:t>
-            </a:r>
-            <a:r>
-              <a:rPr b="1" i="0" lang="en-GB" sz="1400" u="none" cap="none" strike="noStrike">
-                <a:solidFill>
-                  <a:schemeClr val="accent6"/>
-                </a:solidFill>
-                <a:latin typeface="Courier New"/>
-                <a:ea typeface="Courier New"/>
-                <a:cs typeface="Courier New"/>
-                <a:sym typeface="Courier New"/>
-              </a:rPr>
-              <a:t>. </a:t>
-            </a:r>
-            <a:r>
-              <a:rPr b="1" i="1" lang="en-GB" sz="1400" u="none" cap="none" strike="noStrike">
-                <a:solidFill>
-                  <a:schemeClr val="accent6"/>
-                </a:solidFill>
-                <a:latin typeface="Courier New"/>
-                <a:ea typeface="Courier New"/>
-                <a:cs typeface="Courier New"/>
-                <a:sym typeface="Courier New"/>
-              </a:rPr>
-              <a:t>American Journal of Public Health</a:t>
-            </a:r>
-            <a:r>
-              <a:rPr b="1" i="0" lang="en-GB" sz="1400" u="none" cap="none" strike="noStrike">
-                <a:solidFill>
-                  <a:schemeClr val="accent6"/>
-                </a:solidFill>
-                <a:latin typeface="Courier New"/>
-                <a:ea typeface="Courier New"/>
-                <a:cs typeface="Courier New"/>
-                <a:sym typeface="Courier New"/>
-              </a:rPr>
-              <a:t>, 107(8), 1279-1285.</a:t>
-            </a:r>
-            <a:endParaRPr b="1" i="0" sz="1400" u="none" cap="none" strike="noStrike">
-              <a:solidFill>
-                <a:schemeClr val="accent6"/>
-              </a:solidFill>
-              <a:latin typeface="Courier New"/>
-              <a:ea typeface="Courier New"/>
-              <a:cs typeface="Courier New"/>
-              <a:sym typeface="Courier New"/>
-            </a:endParaRPr>
-          </a:p>
-          <a:p>
-            <a:pPr indent="-317500" lvl="0" marL="457200" marR="0" rtl="0" algn="l">
-              <a:lnSpc>
-                <a:spcPct val="100000"/>
-              </a:lnSpc>
-              <a:spcBef>
-                <a:spcPts val="0"/>
-              </a:spcBef>
-              <a:spcAft>
-                <a:spcPts val="0"/>
-              </a:spcAft>
-              <a:buClr>
-                <a:schemeClr val="accent5"/>
-              </a:buClr>
-              <a:buSzPts val="1400"/>
-              <a:buFont typeface="Courier New"/>
-              <a:buAutoNum type="arabicPeriod"/>
-            </a:pPr>
-            <a:r>
-              <a:rPr b="1" i="1" lang="en-GB" sz="1400" u="none" cap="none" strike="noStrike">
-                <a:solidFill>
-                  <a:schemeClr val="accent5"/>
-                </a:solidFill>
-                <a:latin typeface="Courier New"/>
-                <a:ea typeface="Courier New"/>
-                <a:cs typeface="Courier New"/>
-                <a:sym typeface="Courier New"/>
-              </a:rPr>
-              <a:t>Mathur, P., Kharat, M., &amp; Patil, S. (2022). Machine Learning Approaches for Mental Health Detection on Social Media</a:t>
-            </a:r>
-            <a:r>
-              <a:rPr b="1" i="0" lang="en-GB" sz="1400" u="none" cap="none" strike="noStrike">
-                <a:solidFill>
-                  <a:schemeClr val="accent6"/>
-                </a:solidFill>
-                <a:latin typeface="Courier New"/>
-                <a:ea typeface="Courier New"/>
-                <a:cs typeface="Courier New"/>
-                <a:sym typeface="Courier New"/>
-              </a:rPr>
-              <a:t>: A Systematic Review. </a:t>
-            </a:r>
-            <a:r>
-              <a:rPr b="1" i="1" lang="en-GB" sz="1400" u="none" cap="none" strike="noStrike">
-                <a:solidFill>
-                  <a:schemeClr val="accent6"/>
-                </a:solidFill>
-                <a:latin typeface="Courier New"/>
-                <a:ea typeface="Courier New"/>
-                <a:cs typeface="Courier New"/>
-                <a:sym typeface="Courier New"/>
-              </a:rPr>
-              <a:t>IEEE Access</a:t>
-            </a:r>
-            <a:r>
-              <a:rPr b="1" i="0" lang="en-GB" sz="1400" u="none" cap="none" strike="noStrike">
-                <a:solidFill>
-                  <a:schemeClr val="accent6"/>
-                </a:solidFill>
-                <a:latin typeface="Courier New"/>
-                <a:ea typeface="Courier New"/>
-                <a:cs typeface="Courier New"/>
-                <a:sym typeface="Courier New"/>
-              </a:rPr>
-              <a:t>, 10, 14376-14388.</a:t>
-            </a:r>
-            <a:endParaRPr b="1" i="0" sz="1400" u="none" cap="none" strike="noStrike">
-              <a:solidFill>
-                <a:schemeClr val="accent6"/>
-              </a:solidFill>
-              <a:latin typeface="Courier New"/>
-              <a:ea typeface="Courier New"/>
-              <a:cs typeface="Courier New"/>
-              <a:sym typeface="Courier New"/>
-            </a:endParaRPr>
-          </a:p>
-          <a:p>
-            <a:pPr indent="-317500" lvl="0" marL="457200" marR="0" rtl="0" algn="l">
-              <a:lnSpc>
-                <a:spcPct val="100000"/>
-              </a:lnSpc>
-              <a:spcBef>
-                <a:spcPts val="0"/>
-              </a:spcBef>
-              <a:spcAft>
-                <a:spcPts val="0"/>
-              </a:spcAft>
-              <a:buClr>
-                <a:schemeClr val="accent5"/>
-              </a:buClr>
-              <a:buSzPts val="1400"/>
-              <a:buFont typeface="Courier New"/>
-              <a:buAutoNum type="arabicPeriod"/>
-            </a:pPr>
-            <a:r>
-              <a:rPr b="1" i="1" lang="en-GB" sz="1400" u="none" cap="none" strike="noStrike">
-                <a:solidFill>
-                  <a:schemeClr val="accent5"/>
-                </a:solidFill>
-                <a:latin typeface="Courier New"/>
-                <a:ea typeface="Courier New"/>
-                <a:cs typeface="Courier New"/>
-                <a:sym typeface="Courier New"/>
-              </a:rPr>
-              <a:t>Nadeem, A. (2016). A Study of Depression Identification on Twitter.</a:t>
-            </a:r>
-            <a:r>
-              <a:rPr b="1" i="0" lang="en-GB" sz="1400" u="none" cap="none" strike="noStrike">
-                <a:solidFill>
-                  <a:schemeClr val="accent6"/>
-                </a:solidFill>
-                <a:latin typeface="Courier New"/>
-                <a:ea typeface="Courier New"/>
-                <a:cs typeface="Courier New"/>
-                <a:sym typeface="Courier New"/>
-              </a:rPr>
-              <a:t> </a:t>
-            </a:r>
-            <a:r>
-              <a:rPr b="1" i="1" lang="en-GB" sz="1400" u="none" cap="none" strike="noStrike">
-                <a:solidFill>
-                  <a:schemeClr val="accent6"/>
-                </a:solidFill>
-                <a:latin typeface="Courier New"/>
-                <a:ea typeface="Courier New"/>
-                <a:cs typeface="Courier New"/>
-                <a:sym typeface="Courier New"/>
-              </a:rPr>
-              <a:t>International Journal of Computer Applications</a:t>
-            </a:r>
-            <a:r>
-              <a:rPr b="1" i="0" lang="en-GB" sz="1400" u="none" cap="none" strike="noStrike">
-                <a:solidFill>
-                  <a:schemeClr val="accent6"/>
-                </a:solidFill>
-                <a:latin typeface="Courier New"/>
-                <a:ea typeface="Courier New"/>
-                <a:cs typeface="Courier New"/>
-                <a:sym typeface="Courier New"/>
-              </a:rPr>
-              <a:t>, 141(10), 24-28.</a:t>
-            </a:r>
-            <a:endParaRPr b="1" i="0" sz="1400" u="none" cap="none" strike="noStrike">
-              <a:solidFill>
-                <a:schemeClr val="accent6"/>
-              </a:solidFill>
-              <a:latin typeface="Courier New"/>
-              <a:ea typeface="Courier New"/>
-              <a:cs typeface="Courier New"/>
-              <a:sym typeface="Courier New"/>
-            </a:endParaRPr>
-          </a:p>
-          <a:p>
-            <a:pPr indent="-317500" lvl="0" marL="457200" marR="0" rtl="0" algn="l">
-              <a:lnSpc>
-                <a:spcPct val="100000"/>
-              </a:lnSpc>
-              <a:spcBef>
-                <a:spcPts val="0"/>
-              </a:spcBef>
-              <a:spcAft>
-                <a:spcPts val="0"/>
-              </a:spcAft>
-              <a:buClr>
-                <a:schemeClr val="accent5"/>
-              </a:buClr>
-              <a:buSzPts val="1400"/>
-              <a:buFont typeface="Courier New"/>
-              <a:buAutoNum type="arabicPeriod"/>
-            </a:pPr>
-            <a:r>
-              <a:rPr b="1" i="1" lang="en-GB" sz="1400" u="none" cap="none" strike="noStrike">
-                <a:solidFill>
-                  <a:schemeClr val="accent5"/>
-                </a:solidFill>
-                <a:latin typeface="Courier New"/>
-                <a:ea typeface="Courier New"/>
-                <a:cs typeface="Courier New"/>
-                <a:sym typeface="Courier New"/>
-              </a:rPr>
-              <a:t>AlSagri, A., &amp; Ykhlef, M. (2020). A Machine Learning-based Approach for Depression Detection in Social Media.</a:t>
-            </a:r>
-            <a:r>
-              <a:rPr b="1" i="0" lang="en-GB" sz="1400" u="none" cap="none" strike="noStrike">
-                <a:solidFill>
-                  <a:schemeClr val="accent6"/>
-                </a:solidFill>
-                <a:latin typeface="Courier New"/>
-                <a:ea typeface="Courier New"/>
-                <a:cs typeface="Courier New"/>
-                <a:sym typeface="Courier New"/>
-              </a:rPr>
-              <a:t> </a:t>
-            </a:r>
-            <a:r>
-              <a:rPr b="1" i="1" lang="en-GB" sz="1400" u="none" cap="none" strike="noStrike">
-                <a:solidFill>
-                  <a:schemeClr val="accent6"/>
-                </a:solidFill>
-                <a:latin typeface="Courier New"/>
-                <a:ea typeface="Courier New"/>
-                <a:cs typeface="Courier New"/>
-                <a:sym typeface="Courier New"/>
-              </a:rPr>
-              <a:t>Journal of King Saud University - Computer and Information Sciences</a:t>
-            </a:r>
-            <a:r>
-              <a:rPr b="1" i="0" lang="en-GB" sz="1400" u="none" cap="none" strike="noStrike">
-                <a:solidFill>
-                  <a:schemeClr val="accent6"/>
-                </a:solidFill>
-                <a:latin typeface="Courier New"/>
-                <a:ea typeface="Courier New"/>
-                <a:cs typeface="Courier New"/>
-                <a:sym typeface="Courier New"/>
-              </a:rPr>
-              <a:t>, 32(1), 60-66.</a:t>
-            </a:r>
-            <a:endParaRPr b="1" i="0" sz="1400" u="none" cap="none" strike="noStrike">
-              <a:solidFill>
-                <a:schemeClr val="accent6"/>
-              </a:solidFill>
-              <a:latin typeface="Courier New"/>
-              <a:ea typeface="Courier New"/>
-              <a:cs typeface="Courier New"/>
-              <a:sym typeface="Courier New"/>
-            </a:endParaRPr>
-          </a:p>
-          <a:p>
-            <a:pPr indent="-317500" lvl="0" marL="457200" marR="0" rtl="0" algn="l">
-              <a:lnSpc>
-                <a:spcPct val="100000"/>
-              </a:lnSpc>
-              <a:spcBef>
-                <a:spcPts val="0"/>
-              </a:spcBef>
-              <a:spcAft>
-                <a:spcPts val="0"/>
-              </a:spcAft>
-              <a:buClr>
-                <a:schemeClr val="accent5"/>
-              </a:buClr>
-              <a:buSzPts val="1400"/>
-              <a:buFont typeface="Courier New"/>
-              <a:buAutoNum type="arabicPeriod"/>
-            </a:pPr>
-            <a:r>
-              <a:rPr b="1" i="1" lang="en-GB" sz="1400" u="none" cap="none" strike="noStrike">
-                <a:solidFill>
-                  <a:schemeClr val="accent5"/>
-                </a:solidFill>
-                <a:latin typeface="Courier New"/>
-                <a:ea typeface="Courier New"/>
-                <a:cs typeface="Courier New"/>
-                <a:sym typeface="Courier New"/>
-              </a:rPr>
-              <a:t>Vaishnavi, A., Rani, A., &amp; Narayan, M. (2022). Application of Machine Learning Algorithms for Mental Health Prediction.</a:t>
-            </a:r>
-            <a:r>
-              <a:rPr b="1" i="0" lang="en-GB" sz="1400" u="none" cap="none" strike="noStrike">
-                <a:solidFill>
-                  <a:schemeClr val="accent6"/>
-                </a:solidFill>
-                <a:latin typeface="Courier New"/>
-                <a:ea typeface="Courier New"/>
-                <a:cs typeface="Courier New"/>
-                <a:sym typeface="Courier New"/>
-              </a:rPr>
-              <a:t> </a:t>
-            </a:r>
-            <a:r>
-              <a:rPr b="1" i="1" lang="en-GB" sz="1400" u="none" cap="none" strike="noStrike">
-                <a:solidFill>
-                  <a:schemeClr val="accent6"/>
-                </a:solidFill>
-                <a:latin typeface="Courier New"/>
-                <a:ea typeface="Courier New"/>
-                <a:cs typeface="Courier New"/>
-                <a:sym typeface="Courier New"/>
-              </a:rPr>
-              <a:t>International Journal of Data Science and Analytics</a:t>
-            </a:r>
-            <a:r>
-              <a:rPr b="1" i="0" lang="en-GB" sz="1400" u="none" cap="none" strike="noStrike">
-                <a:solidFill>
-                  <a:schemeClr val="accent6"/>
-                </a:solidFill>
-                <a:latin typeface="Courier New"/>
-                <a:ea typeface="Courier New"/>
-                <a:cs typeface="Courier New"/>
-                <a:sym typeface="Courier New"/>
-              </a:rPr>
-              <a:t>, 12(2), 175-192.</a:t>
-            </a:r>
-            <a:endParaRPr b="1" i="0" sz="1400" u="none" cap="none" strike="noStrike">
-              <a:solidFill>
-                <a:schemeClr val="accent6"/>
-              </a:solidFill>
-              <a:latin typeface="Courier New"/>
-              <a:ea typeface="Courier New"/>
-              <a:cs typeface="Courier New"/>
-              <a:sym typeface="Courier New"/>
-            </a:endParaRPr>
-          </a:p>
-          <a:p>
-            <a:pPr indent="-317500" lvl="0" marL="457200" marR="0" rtl="0" algn="l">
-              <a:lnSpc>
-                <a:spcPct val="100000"/>
-              </a:lnSpc>
-              <a:spcBef>
-                <a:spcPts val="0"/>
-              </a:spcBef>
-              <a:spcAft>
-                <a:spcPts val="0"/>
-              </a:spcAft>
-              <a:buClr>
-                <a:schemeClr val="accent5"/>
-              </a:buClr>
-              <a:buSzPts val="1400"/>
-              <a:buFont typeface="Courier New"/>
-              <a:buAutoNum type="arabicPeriod"/>
-            </a:pPr>
-            <a:r>
-              <a:rPr b="1" i="1" lang="en-GB" sz="1400" u="none" cap="none" strike="noStrike">
-                <a:solidFill>
-                  <a:schemeClr val="accent5"/>
-                </a:solidFill>
-                <a:latin typeface="Courier New"/>
-                <a:ea typeface="Courier New"/>
-                <a:cs typeface="Courier New"/>
-                <a:sym typeface="Courier New"/>
-              </a:rPr>
-              <a:t>Safa, M., Alshahrani, S., &amp; Abunadi, M. (2023). Ethical Considerations in Predicting Mental Health from Social Media</a:t>
-            </a:r>
-            <a:r>
-              <a:rPr b="1" i="0" lang="en-GB" sz="1400" u="none" cap="none" strike="noStrike">
-                <a:solidFill>
-                  <a:schemeClr val="accent6"/>
-                </a:solidFill>
-                <a:latin typeface="Courier New"/>
-                <a:ea typeface="Courier New"/>
-                <a:cs typeface="Courier New"/>
-                <a:sym typeface="Courier New"/>
-              </a:rPr>
-              <a:t>: A Roadmap for Future Research. </a:t>
-            </a:r>
-            <a:r>
-              <a:rPr b="1" i="1" lang="en-GB" sz="1400" u="none" cap="none" strike="noStrike">
-                <a:solidFill>
-                  <a:schemeClr val="accent6"/>
-                </a:solidFill>
-                <a:latin typeface="Courier New"/>
-                <a:ea typeface="Courier New"/>
-                <a:cs typeface="Courier New"/>
-                <a:sym typeface="Courier New"/>
-              </a:rPr>
-              <a:t>Ethics and Information Technology</a:t>
-            </a:r>
-            <a:r>
-              <a:rPr b="1" i="0" lang="en-GB" sz="1400" u="none" cap="none" strike="noStrike">
-                <a:solidFill>
-                  <a:schemeClr val="accent6"/>
-                </a:solidFill>
-                <a:latin typeface="Courier New"/>
-                <a:ea typeface="Courier New"/>
-                <a:cs typeface="Courier New"/>
-                <a:sym typeface="Courier New"/>
-              </a:rPr>
-              <a:t>, 25(1), 15-29.</a:t>
-            </a:r>
-            <a:endParaRPr b="1" i="0" sz="1400" u="none" cap="none" strike="noStrike">
-              <a:solidFill>
-                <a:schemeClr val="accent6"/>
-              </a:solidFill>
-              <a:latin typeface="Courier New"/>
-              <a:ea typeface="Courier New"/>
-              <a:cs typeface="Courier New"/>
-              <a:sym typeface="Courier New"/>
-            </a:endParaRPr>
-          </a:p>
-          <a:p>
-            <a:pPr indent="0" lvl="0" marL="457200" marR="0" rtl="0" algn="l">
-              <a:lnSpc>
-                <a:spcPct val="100000"/>
-              </a:lnSpc>
-              <a:spcBef>
-                <a:spcPts val="0"/>
-              </a:spcBef>
-              <a:spcAft>
-                <a:spcPts val="0"/>
-              </a:spcAft>
-              <a:buClr>
-                <a:srgbClr val="000000"/>
-              </a:buClr>
-              <a:buSzPts val="1400"/>
-              <a:buFont typeface="Arial"/>
-              <a:buNone/>
-            </a:pPr>
-            <a:r>
-              <a:t/>
-            </a:r>
-            <a:endParaRPr b="1" i="0" sz="1400" u="none" cap="none" strike="noStrike">
-              <a:solidFill>
-                <a:schemeClr val="accent6"/>
-              </a:solidFill>
-              <a:latin typeface="Courier New"/>
-              <a:ea typeface="Courier New"/>
-              <a:cs typeface="Courier New"/>
-              <a:sym typeface="Courier New"/>
-            </a:endParaRPr>
-          </a:p>
-        </p:txBody>
-      </p:sp>
-      <p:sp>
-        <p:nvSpPr>
-          <p:cNvPr id="240" name="Google Shape;240;p21"/>
-          <p:cNvSpPr txBox="1"/>
-          <p:nvPr/>
-        </p:nvSpPr>
-        <p:spPr>
-          <a:xfrm>
-            <a:off x="2850600" y="0"/>
-            <a:ext cx="6293400" cy="293700"/>
-          </a:xfrm>
-          <a:prstGeom prst="rect">
-            <a:avLst/>
-          </a:prstGeom>
-          <a:noFill/>
-          <a:ln>
-            <a:noFill/>
-          </a:ln>
-        </p:spPr>
-        <p:txBody>
-          <a:bodyPr anchorCtr="0" anchor="t" bIns="91425" lIns="91425" spcFirstLastPara="1" rIns="91425" wrap="square" tIns="91425">
-            <a:noAutofit/>
-          </a:bodyPr>
-          <a:lstStyle/>
-          <a:p>
-            <a:pPr indent="0" lvl="0" marL="0" marR="0" rtl="0" algn="r">
-              <a:lnSpc>
-                <a:spcPct val="80000"/>
-              </a:lnSpc>
-              <a:spcBef>
-                <a:spcPts val="0"/>
-              </a:spcBef>
-              <a:spcAft>
-                <a:spcPts val="0"/>
-              </a:spcAft>
-              <a:buClr>
-                <a:srgbClr val="000000"/>
-              </a:buClr>
-              <a:buSzPts val="852"/>
-              <a:buFont typeface="Arial"/>
-              <a:buNone/>
-            </a:pPr>
-            <a:r>
-              <a:rPr b="0" i="0" lang="en-GB" sz="1052" u="none" cap="none" strike="noStrike">
-                <a:solidFill>
-                  <a:schemeClr val="dk1"/>
-                </a:solidFill>
-                <a:latin typeface="Courier New"/>
-                <a:ea typeface="Courier New"/>
-                <a:cs typeface="Courier New"/>
-                <a:sym typeface="Courier New"/>
-              </a:rPr>
-              <a:t>GR29 ANALYZING SOCIAL MEDIA POSTS FOR MENTAL HEALTH DISORDER DETECTION</a:t>
-            </a:r>
-            <a:endParaRPr b="0" i="0" sz="1052" u="none" cap="none" strike="noStrike">
-              <a:solidFill>
-                <a:schemeClr val="dk1"/>
-              </a:solidFill>
-              <a:latin typeface="Courier New"/>
-              <a:ea typeface="Courier New"/>
-              <a:cs typeface="Courier New"/>
-              <a:sym typeface="Courier New"/>
-            </a:endParaRPr>
-          </a:p>
-        </p:txBody>
-      </p:sp>
-    </p:spTree>
-  </p:cSld>
-  <p:clrMapOvr>
-    <a:masterClrMapping/>
-  </p:clrMapOvr>
-</p:sld>
-</file>
-
-<file path=ppt/slides/slide24.xml><?xml version="1.0" encoding="utf-8"?>
-<p:sld xmlns:a="http://schemas.openxmlformats.org/drawingml/2006/main" xmlns:r="http://schemas.openxmlformats.org/officeDocument/2006/relationships" xmlns:mc="http://schemas.openxmlformats.org/markup-compatibility/2006" xmlns:mv="urn:schemas-microsoft-com:mac:vml" xmlns:p="http://schemas.openxmlformats.org/presentationml/2006/main" xmlns:c="http://schemas.openxmlformats.org/drawingml/2006/chart" xmlns:dgm="http://schemas.openxmlformats.org/drawingml/2006/diagram" xmlns:o="urn:schemas-microsoft-com:office:office" xmlns:v="urn:schemas-microsoft-com:vml" xmlns:pvml="urn:schemas-microsoft-com:office:powerpoint" xmlns:com="http://schemas.openxmlformats.org/drawingml/2006/compatibility" xmlns:p14="http://schemas.microsoft.com/office/powerpoint/2010/main" xmlns:p15="http://schemas.microsoft.com/office/powerpoint/2012/main" xmlns:ahyp="http://schemas.microsoft.com/office/drawing/2018/hyperlinkcolor">
-  <p:cSld>
-    <p:spTree>
-      <p:nvGrpSpPr>
-        <p:cNvPr id="244" name="Shape 244"/>
-        <p:cNvGrpSpPr/>
-        <p:nvPr/>
-      </p:nvGrpSpPr>
-      <p:grpSpPr>
-        <a:xfrm>
-          <a:off x="0" y="0"/>
-          <a:ext cx="0" cy="0"/>
-          <a:chOff x="0" y="0"/>
-          <a:chExt cx="0" cy="0"/>
-        </a:xfrm>
-      </p:grpSpPr>
-      <p:sp>
-        <p:nvSpPr>
-          <p:cNvPr id="245" name="Google Shape;245;p22"/>
+          <p:cNvPr id="236" name="Google Shape;236;p22"/>
           <p:cNvSpPr/>
           <p:nvPr/>
         </p:nvSpPr>
@@ -19115,7 +18559,7 @@
           <a:effectLst>
             <a:outerShdw blurRad="142875" rotWithShape="0" algn="bl" dir="2400000" dist="266700">
               <a:srgbClr val="000000">
-                <a:alpha val="48235"/>
+                <a:alpha val="48627"/>
               </a:srgbClr>
             </a:outerShdw>
           </a:effectLst>
@@ -19169,7 +18613,7 @@
       </p:sp>
       <p:sp>
         <p:nvSpPr>
-          <p:cNvPr id="246" name="Google Shape;246;p22"/>
+          <p:cNvPr id="237" name="Google Shape;237;p22"/>
           <p:cNvSpPr txBox="1"/>
           <p:nvPr/>
         </p:nvSpPr>
@@ -19761,6 +19205,58 @@
             </a:endParaRPr>
           </a:p>
           <a:p>
+            <a:pPr indent="-317500" lvl="0" marL="457200" rtl="0" algn="l">
+              <a:lnSpc>
+                <a:spcPct val="100000"/>
+              </a:lnSpc>
+              <a:spcBef>
+                <a:spcPts val="0"/>
+              </a:spcBef>
+              <a:spcAft>
+                <a:spcPts val="0"/>
+              </a:spcAft>
+              <a:buClr>
+                <a:schemeClr val="accent5"/>
+              </a:buClr>
+              <a:buSzPts val="1400"/>
+              <a:buFont typeface="Courier New"/>
+              <a:buChar char="➔"/>
+            </a:pPr>
+            <a:r>
+              <a:rPr b="1" i="1" lang="en-GB" sz="1400">
+                <a:solidFill>
+                  <a:schemeClr val="accent5"/>
+                </a:solidFill>
+                <a:latin typeface="Courier New"/>
+                <a:ea typeface="Courier New"/>
+                <a:cs typeface="Courier New"/>
+                <a:sym typeface="Courier New"/>
+              </a:rPr>
+              <a:t>Lack of a publicly available application</a:t>
+            </a:r>
+            <a:r>
+              <a:rPr lang="en-GB" sz="1400">
+                <a:solidFill>
+                  <a:schemeClr val="dk1"/>
+                </a:solidFill>
+                <a:latin typeface="Courier New"/>
+                <a:ea typeface="Courier New"/>
+                <a:cs typeface="Courier New"/>
+                <a:sym typeface="Courier New"/>
+              </a:rPr>
+              <a:t> which incorporates text, image, video, audio, emotions and situations derived from images/frames for overall mental issue classification and corresponding wellbeing mapping.</a:t>
+            </a:r>
+            <a:endParaRPr sz="1400">
+              <a:solidFill>
+                <a:schemeClr val="dk1"/>
+              </a:solidFill>
+              <a:latin typeface="Courier New"/>
+              <a:ea typeface="Courier New"/>
+              <a:cs typeface="Courier New"/>
+              <a:sym typeface="Courier New"/>
+            </a:endParaRPr>
+          </a:p>
+          <a:p>
             <a:pPr indent="0" lvl="0" marL="457200" rtl="0" algn="l">
               <a:lnSpc>
                 <a:spcPct val="100000"/>
@@ -20435,7 +19931,31 @@
                 <a:cs typeface="Courier New"/>
                 <a:sym typeface="Courier New"/>
               </a:rPr>
-              <a:t>Techniques like Logistic Regression, XGBoost are applied for high accuracy. Ensemble Model using the two former models is created to get higher accuracy</a:t>
+              <a:t>Techniques like Logistic Regression, XGBoost are applied for high accuracy. Ensemble Model using the  </a:t>
+            </a:r>
+            <a:r>
+              <a:rPr lang="en-GB" sz="1400">
+                <a:solidFill>
+                  <a:schemeClr val="dk1"/>
+                </a:solidFill>
+                <a:latin typeface="Courier New"/>
+                <a:ea typeface="Courier New"/>
+                <a:cs typeface="Courier New"/>
+                <a:sym typeface="Courier New"/>
+              </a:rPr>
+              <a:t>individual</a:t>
+            </a:r>
+            <a:r>
+              <a:rPr lang="en-GB" sz="1400">
+                <a:solidFill>
+                  <a:schemeClr val="dk1"/>
+                </a:solidFill>
+                <a:latin typeface="Courier New"/>
+                <a:ea typeface="Courier New"/>
+                <a:cs typeface="Courier New"/>
+                <a:sym typeface="Courier New"/>
+              </a:rPr>
+              <a:t> models is created to get higher accuracy and generalization</a:t>
             </a:r>
             <a:endParaRPr sz="1400">
               <a:solidFill>
@@ -20585,7 +20105,7 @@
           <a:effectLst>
             <a:outerShdw blurRad="342900" rotWithShape="0" algn="bl" dir="8580000" dist="180975">
               <a:srgbClr val="000000">
-                <a:alpha val="48627"/>
+                <a:alpha val="49019"/>
               </a:srgbClr>
             </a:outerShdw>
           </a:effectLst>
@@ -21050,7 +20570,7 @@
           <a:effectLst>
             <a:outerShdw blurRad="485775" rotWithShape="0" algn="bl" dir="7800000" dist="209550">
               <a:srgbClr val="000000">
-                <a:alpha val="48627"/>
+                <a:alpha val="49019"/>
               </a:srgbClr>
             </a:outerShdw>
           </a:effectLst>
@@ -21515,7 +21035,7 @@
           <a:effectLst>
             <a:outerShdw blurRad="485775" rotWithShape="0" algn="bl" dir="7200000" dist="209550">
               <a:srgbClr val="000000">
-                <a:alpha val="48627"/>
+                <a:alpha val="49019"/>
               </a:srgbClr>
             </a:outerShdw>
           </a:effectLst>
@@ -22012,7 +21532,7 @@
           <a:effectLst>
             <a:outerShdw blurRad="485775" rotWithShape="0" algn="bl" dir="7800000" dist="209550">
               <a:srgbClr val="000000">
-                <a:alpha val="48627"/>
+                <a:alpha val="49019"/>
               </a:srgbClr>
             </a:outerShdw>
           </a:effectLst>
@@ -22336,7 +21856,7 @@
                 <a:cs typeface="Courier New"/>
                 <a:sym typeface="Courier New"/>
               </a:rPr>
-              <a:t>Train machine learning models including Logistic Regression, Naive Bayes, SVM, Random Forest, XGBoost, KNN, LSTM and Transformers. Evaluate their performance using metrics such as accuracy, precision, recall, and F1-score. Apply Hyperparameter Tuning on ML models as needed to improve the accuracy further. Leverage Ensemble Learning with multiple models to get higher accuracy.</a:t>
+              <a:t>Train machine learning models including Logistic Regression, Naive Bayes, SVM, Random Forest, XGBoost, KNN, and LSTM. Evaluate their performance using metrics such as accuracy, precision, recall, and F1-score. Apply Hyperparameter Tuning on ML models as needed to improve the accuracy further. Leverage Ensemble Learning with two models to get higher accuracy</a:t>
             </a:r>
             <a:endParaRPr sz="1400">
               <a:solidFill>
